--- a/FinalProjectPresentation.pptx
+++ b/FinalProjectPresentation.pptx
@@ -8,10 +8,12 @@
     <p:sldId id="256" r:id="rId2"/>
     <p:sldId id="257" r:id="rId3"/>
     <p:sldId id="258" r:id="rId4"/>
-    <p:sldId id="259" r:id="rId5"/>
-    <p:sldId id="260" r:id="rId6"/>
-    <p:sldId id="261" r:id="rId7"/>
-    <p:sldId id="262" r:id="rId8"/>
+    <p:sldId id="264" r:id="rId5"/>
+    <p:sldId id="259" r:id="rId6"/>
+    <p:sldId id="260" r:id="rId7"/>
+    <p:sldId id="263" r:id="rId8"/>
+    <p:sldId id="261" r:id="rId9"/>
+    <p:sldId id="262" r:id="rId10"/>
   </p:sldIdLst>
   <p:sldSz cx="12192000" cy="6858000"/>
   <p:notesSz cx="6858000" cy="9144000"/>
@@ -110,6 +112,11 @@
       </a:defRPr>
     </a:lvl9pPr>
   </p:defaultTextStyle>
+  <p:extLst>
+    <p:ext uri="{EFAFB233-063F-42B5-8137-9DF3F51BA10A}">
+      <p15:sldGuideLst xmlns:p15="http://schemas.microsoft.com/office/powerpoint/2012/main"/>
+    </p:ext>
+  </p:extLst>
 </p:presentation>
 </file>
 
@@ -3852,44 +3859,21 @@
           </a:p>
         </p:txBody>
       </p:sp>
-      <p:sp>
-        <p:nvSpPr>
-          <p:cNvPr id="3" name="Content Placeholder 2">
-            <a:extLst>
-              <a:ext uri="{FF2B5EF4-FFF2-40B4-BE49-F238E27FC236}">
-                <a16:creationId xmlns:a16="http://schemas.microsoft.com/office/drawing/2014/main" id="{7B1C4094-A2FA-1356-B437-C3F54741EC3B}"/>
-              </a:ext>
-            </a:extLst>
-          </p:cNvPr>
-          <p:cNvSpPr>
-            <a:spLocks noGrp="1"/>
-          </p:cNvSpPr>
+      <p:pic>
+        <p:nvPicPr>
+          <p:cNvPr id="5" name="Content Placeholder 4" descr="A diagram of a device&#10;&#10;AI-generated content may be incorrect.">
+            <a:extLst>
+              <a:ext uri="{FF2B5EF4-FFF2-40B4-BE49-F238E27FC236}">
+                <a16:creationId xmlns:a16="http://schemas.microsoft.com/office/drawing/2014/main" id="{D1ACA2FF-5812-C72B-BE6B-4B4D1D9EBC2F}"/>
+              </a:ext>
+            </a:extLst>
+          </p:cNvPr>
+          <p:cNvPicPr>
+            <a:picLocks noGrp="1" noChangeAspect="1"/>
+          </p:cNvPicPr>
           <p:nvPr>
             <p:ph idx="1"/>
           </p:nvPr>
-        </p:nvSpPr>
-        <p:spPr/>
-        <p:txBody>
-          <a:bodyPr/>
-          <a:lstStyle/>
-          <a:p>
-            <a:endParaRPr lang="en-US" dirty="0"/>
-          </a:p>
-        </p:txBody>
-      </p:sp>
-      <p:pic>
-        <p:nvPicPr>
-          <p:cNvPr id="1026" name="Picture 2">
-            <a:extLst>
-              <a:ext uri="{FF2B5EF4-FFF2-40B4-BE49-F238E27FC236}">
-                <a16:creationId xmlns:a16="http://schemas.microsoft.com/office/drawing/2014/main" id="{EEEF0431-9DD5-F32D-60D4-EB9266E6996D}"/>
-              </a:ext>
-            </a:extLst>
-          </p:cNvPr>
-          <p:cNvPicPr>
-            <a:picLocks noChangeAspect="1" noChangeArrowheads="1"/>
-          </p:cNvPicPr>
-          <p:nvPr/>
         </p:nvPicPr>
         <p:blipFill>
           <a:blip r:embed="rId2">
@@ -3899,31 +3883,247 @@
               </a:ext>
             </a:extLst>
           </a:blip>
-          <a:srcRect/>
           <a:stretch>
             <a:fillRect/>
           </a:stretch>
         </p:blipFill>
-        <p:spPr bwMode="auto">
+        <p:spPr>
           <a:xfrm>
-            <a:off x="3055938" y="1756410"/>
-            <a:ext cx="4351793" cy="4908550"/>
+            <a:off x="3462602" y="1869863"/>
+            <a:ext cx="4941676" cy="4195763"/>
+          </a:xfrm>
+        </p:spPr>
+      </p:pic>
+      <p:sp>
+        <p:nvSpPr>
+          <p:cNvPr id="6" name="Rectangle 5">
+            <a:extLst>
+              <a:ext uri="{FF2B5EF4-FFF2-40B4-BE49-F238E27FC236}">
+                <a16:creationId xmlns:a16="http://schemas.microsoft.com/office/drawing/2014/main" id="{8CA21245-9954-0E0B-E0A0-5D0A9BEAF032}"/>
+              </a:ext>
+            </a:extLst>
+          </p:cNvPr>
+          <p:cNvSpPr/>
+          <p:nvPr/>
+        </p:nvSpPr>
+        <p:spPr>
+          <a:xfrm>
+            <a:off x="3039533" y="1869863"/>
+            <a:ext cx="2683934" cy="1677670"/>
           </a:xfrm>
           <a:prstGeom prst="rect">
             <a:avLst/>
           </a:prstGeom>
           <a:noFill/>
-          <a:extLst>
-            <a:ext uri="{909E8E84-426E-40DD-AFC4-6F175D3DCCD1}">
-              <a14:hiddenFill xmlns:a14="http://schemas.microsoft.com/office/drawing/2010/main">
-                <a:solidFill>
-                  <a:srgbClr val="FFFFFF"/>
-                </a:solidFill>
-              </a14:hiddenFill>
-            </a:ext>
-          </a:extLst>
+          <a:ln w="19050">
+            <a:solidFill>
+              <a:srgbClr val="FF0000"/>
+            </a:solidFill>
+            <a:prstDash val="dash"/>
+          </a:ln>
         </p:spPr>
-      </p:pic>
+        <p:style>
+          <a:lnRef idx="2">
+            <a:schemeClr val="accent1">
+              <a:shade val="15000"/>
+            </a:schemeClr>
+          </a:lnRef>
+          <a:fillRef idx="1">
+            <a:schemeClr val="accent1"/>
+          </a:fillRef>
+          <a:effectRef idx="0">
+            <a:schemeClr val="accent1"/>
+          </a:effectRef>
+          <a:fontRef idx="minor">
+            <a:schemeClr val="lt1"/>
+          </a:fontRef>
+        </p:style>
+        <p:txBody>
+          <a:bodyPr rtlCol="0" anchor="ctr"/>
+          <a:lstStyle/>
+          <a:p>
+            <a:pPr algn="ctr"/>
+            <a:endParaRPr lang="en-US"/>
+          </a:p>
+        </p:txBody>
+      </p:sp>
+      <p:sp>
+        <p:nvSpPr>
+          <p:cNvPr id="7" name="Rectangle 6">
+            <a:extLst>
+              <a:ext uri="{FF2B5EF4-FFF2-40B4-BE49-F238E27FC236}">
+                <a16:creationId xmlns:a16="http://schemas.microsoft.com/office/drawing/2014/main" id="{3B7B5368-72B2-2068-870C-8806990C295E}"/>
+              </a:ext>
+            </a:extLst>
+          </p:cNvPr>
+          <p:cNvSpPr/>
+          <p:nvPr/>
+        </p:nvSpPr>
+        <p:spPr>
+          <a:xfrm>
+            <a:off x="3462601" y="4301067"/>
+            <a:ext cx="1117865" cy="1016000"/>
+          </a:xfrm>
+          <a:prstGeom prst="rect">
+            <a:avLst/>
+          </a:prstGeom>
+          <a:noFill/>
+          <a:ln w="19050">
+            <a:solidFill>
+              <a:srgbClr val="FF0000"/>
+            </a:solidFill>
+            <a:prstDash val="dash"/>
+          </a:ln>
+        </p:spPr>
+        <p:style>
+          <a:lnRef idx="2">
+            <a:schemeClr val="accent1">
+              <a:shade val="15000"/>
+            </a:schemeClr>
+          </a:lnRef>
+          <a:fillRef idx="1">
+            <a:schemeClr val="accent1"/>
+          </a:fillRef>
+          <a:effectRef idx="0">
+            <a:schemeClr val="accent1"/>
+          </a:effectRef>
+          <a:fontRef idx="minor">
+            <a:schemeClr val="lt1"/>
+          </a:fontRef>
+        </p:style>
+        <p:txBody>
+          <a:bodyPr rtlCol="0" anchor="ctr"/>
+          <a:lstStyle/>
+          <a:p>
+            <a:pPr algn="ctr"/>
+            <a:endParaRPr lang="en-US"/>
+          </a:p>
+        </p:txBody>
+      </p:sp>
+      <p:cxnSp>
+        <p:nvCxnSpPr>
+          <p:cNvPr id="9" name="Connector: Curved 8">
+            <a:extLst>
+              <a:ext uri="{FF2B5EF4-FFF2-40B4-BE49-F238E27FC236}">
+                <a16:creationId xmlns:a16="http://schemas.microsoft.com/office/drawing/2014/main" id="{9B368750-2E80-0AF5-8481-3BC7D3A75E8C}"/>
+              </a:ext>
+            </a:extLst>
+          </p:cNvPr>
+          <p:cNvCxnSpPr>
+            <a:cxnSpLocks/>
+            <a:stCxn id="6" idx="1"/>
+          </p:cNvCxnSpPr>
+          <p:nvPr/>
+        </p:nvCxnSpPr>
+        <p:spPr>
+          <a:xfrm rot="10800000" flipV="1">
+            <a:off x="1667933" y="2708697"/>
+            <a:ext cx="1371600" cy="1296031"/>
+          </a:xfrm>
+          <a:prstGeom prst="curvedConnector3">
+            <a:avLst/>
+          </a:prstGeom>
+          <a:ln w="12700">
+            <a:solidFill>
+              <a:srgbClr val="FF0000"/>
+            </a:solidFill>
+            <a:tailEnd type="triangle"/>
+          </a:ln>
+        </p:spPr>
+        <p:style>
+          <a:lnRef idx="1">
+            <a:schemeClr val="accent1"/>
+          </a:lnRef>
+          <a:fillRef idx="0">
+            <a:schemeClr val="accent1"/>
+          </a:fillRef>
+          <a:effectRef idx="0">
+            <a:schemeClr val="accent1"/>
+          </a:effectRef>
+          <a:fontRef idx="minor">
+            <a:schemeClr val="tx1"/>
+          </a:fontRef>
+        </p:style>
+      </p:cxnSp>
+      <p:cxnSp>
+        <p:nvCxnSpPr>
+          <p:cNvPr id="10" name="Connector: Curved 9">
+            <a:extLst>
+              <a:ext uri="{FF2B5EF4-FFF2-40B4-BE49-F238E27FC236}">
+                <a16:creationId xmlns:a16="http://schemas.microsoft.com/office/drawing/2014/main" id="{6D17DFFA-0A49-29C4-2C5C-BD3412FBB9DB}"/>
+              </a:ext>
+            </a:extLst>
+          </p:cNvPr>
+          <p:cNvCxnSpPr>
+            <a:cxnSpLocks/>
+          </p:cNvCxnSpPr>
+          <p:nvPr/>
+        </p:nvCxnSpPr>
+        <p:spPr>
+          <a:xfrm rot="10800000">
+            <a:off x="1667934" y="4004733"/>
+            <a:ext cx="1794667" cy="804334"/>
+          </a:xfrm>
+          <a:prstGeom prst="curvedConnector3">
+            <a:avLst/>
+          </a:prstGeom>
+          <a:ln w="12700">
+            <a:solidFill>
+              <a:srgbClr val="FF0000"/>
+            </a:solidFill>
+            <a:tailEnd type="triangle"/>
+          </a:ln>
+        </p:spPr>
+        <p:style>
+          <a:lnRef idx="1">
+            <a:schemeClr val="accent1"/>
+          </a:lnRef>
+          <a:fillRef idx="0">
+            <a:schemeClr val="accent1"/>
+          </a:fillRef>
+          <a:effectRef idx="0">
+            <a:schemeClr val="accent1"/>
+          </a:effectRef>
+          <a:fontRef idx="minor">
+            <a:schemeClr val="tx1"/>
+          </a:fontRef>
+        </p:style>
+      </p:cxnSp>
+      <p:sp>
+        <p:nvSpPr>
+          <p:cNvPr id="14" name="TextBox 13">
+            <a:extLst>
+              <a:ext uri="{FF2B5EF4-FFF2-40B4-BE49-F238E27FC236}">
+                <a16:creationId xmlns:a16="http://schemas.microsoft.com/office/drawing/2014/main" id="{51C3E33A-45E2-C847-2D3B-4D48E7CB1390}"/>
+              </a:ext>
+            </a:extLst>
+          </p:cNvPr>
+          <p:cNvSpPr txBox="1"/>
+          <p:nvPr/>
+        </p:nvSpPr>
+        <p:spPr>
+          <a:xfrm>
+            <a:off x="355600" y="3681563"/>
+            <a:ext cx="1371601" cy="646331"/>
+          </a:xfrm>
+          <a:prstGeom prst="rect">
+            <a:avLst/>
+          </a:prstGeom>
+          <a:noFill/>
+        </p:spPr>
+        <p:txBody>
+          <a:bodyPr wrap="square" rtlCol="0">
+            <a:spAutoFit/>
+          </a:bodyPr>
+          <a:lstStyle/>
+          <a:p>
+            <a:r>
+              <a:rPr lang="en-US" dirty="0"/>
+              <a:t>Can be combined!</a:t>
+            </a:r>
+          </a:p>
+        </p:txBody>
+      </p:sp>
     </p:spTree>
     <p:extLst>
       <p:ext uri="{BB962C8B-B14F-4D97-AF65-F5344CB8AC3E}">
@@ -3934,6 +4134,234 @@
   <p:clrMapOvr>
     <a:masterClrMapping/>
   </p:clrMapOvr>
+  <p:timing>
+    <p:tnLst>
+      <p:par>
+        <p:cTn id="1" dur="indefinite" restart="never" nodeType="tmRoot">
+          <p:childTnLst>
+            <p:seq concurrent="1" nextAc="seek">
+              <p:cTn id="2" dur="indefinite" nodeType="mainSeq">
+                <p:childTnLst>
+                  <p:par>
+                    <p:cTn id="3" fill="hold">
+                      <p:stCondLst>
+                        <p:cond delay="indefinite"/>
+                      </p:stCondLst>
+                      <p:childTnLst>
+                        <p:par>
+                          <p:cTn id="4" fill="hold">
+                            <p:stCondLst>
+                              <p:cond delay="0"/>
+                            </p:stCondLst>
+                            <p:childTnLst>
+                              <p:par>
+                                <p:cTn id="5" presetID="10" presetClass="entr" presetSubtype="0" fill="hold" grpId="0" nodeType="clickEffect">
+                                  <p:stCondLst>
+                                    <p:cond delay="0"/>
+                                  </p:stCondLst>
+                                  <p:childTnLst>
+                                    <p:set>
+                                      <p:cBhvr>
+                                        <p:cTn id="6" dur="1" fill="hold">
+                                          <p:stCondLst>
+                                            <p:cond delay="0"/>
+                                          </p:stCondLst>
+                                        </p:cTn>
+                                        <p:tgtEl>
+                                          <p:spTgt spid="6"/>
+                                        </p:tgtEl>
+                                        <p:attrNameLst>
+                                          <p:attrName>style.visibility</p:attrName>
+                                        </p:attrNameLst>
+                                      </p:cBhvr>
+                                      <p:to>
+                                        <p:strVal val="visible"/>
+                                      </p:to>
+                                    </p:set>
+                                    <p:animEffect transition="in" filter="fade">
+                                      <p:cBhvr>
+                                        <p:cTn id="7" dur="500"/>
+                                        <p:tgtEl>
+                                          <p:spTgt spid="6"/>
+                                        </p:tgtEl>
+                                      </p:cBhvr>
+                                    </p:animEffect>
+                                  </p:childTnLst>
+                                </p:cTn>
+                              </p:par>
+                              <p:par>
+                                <p:cTn id="8" presetID="10" presetClass="entr" presetSubtype="0" fill="hold" nodeType="withEffect">
+                                  <p:stCondLst>
+                                    <p:cond delay="0"/>
+                                  </p:stCondLst>
+                                  <p:childTnLst>
+                                    <p:set>
+                                      <p:cBhvr>
+                                        <p:cTn id="9" dur="1" fill="hold">
+                                          <p:stCondLst>
+                                            <p:cond delay="0"/>
+                                          </p:stCondLst>
+                                        </p:cTn>
+                                        <p:tgtEl>
+                                          <p:spTgt spid="9"/>
+                                        </p:tgtEl>
+                                        <p:attrNameLst>
+                                          <p:attrName>style.visibility</p:attrName>
+                                        </p:attrNameLst>
+                                      </p:cBhvr>
+                                      <p:to>
+                                        <p:strVal val="visible"/>
+                                      </p:to>
+                                    </p:set>
+                                    <p:animEffect transition="in" filter="fade">
+                                      <p:cBhvr>
+                                        <p:cTn id="10" dur="500"/>
+                                        <p:tgtEl>
+                                          <p:spTgt spid="9"/>
+                                        </p:tgtEl>
+                                      </p:cBhvr>
+                                    </p:animEffect>
+                                  </p:childTnLst>
+                                </p:cTn>
+                              </p:par>
+                              <p:par>
+                                <p:cTn id="11" presetID="10" presetClass="entr" presetSubtype="0" fill="hold" nodeType="withEffect">
+                                  <p:stCondLst>
+                                    <p:cond delay="0"/>
+                                  </p:stCondLst>
+                                  <p:childTnLst>
+                                    <p:set>
+                                      <p:cBhvr>
+                                        <p:cTn id="12" dur="1" fill="hold">
+                                          <p:stCondLst>
+                                            <p:cond delay="0"/>
+                                          </p:stCondLst>
+                                        </p:cTn>
+                                        <p:tgtEl>
+                                          <p:spTgt spid="10"/>
+                                        </p:tgtEl>
+                                        <p:attrNameLst>
+                                          <p:attrName>style.visibility</p:attrName>
+                                        </p:attrNameLst>
+                                      </p:cBhvr>
+                                      <p:to>
+                                        <p:strVal val="visible"/>
+                                      </p:to>
+                                    </p:set>
+                                    <p:animEffect transition="in" filter="fade">
+                                      <p:cBhvr>
+                                        <p:cTn id="13" dur="500"/>
+                                        <p:tgtEl>
+                                          <p:spTgt spid="10"/>
+                                        </p:tgtEl>
+                                      </p:cBhvr>
+                                    </p:animEffect>
+                                  </p:childTnLst>
+                                </p:cTn>
+                              </p:par>
+                              <p:par>
+                                <p:cTn id="14" presetID="10" presetClass="entr" presetSubtype="0" fill="hold" grpId="0" nodeType="withEffect">
+                                  <p:stCondLst>
+                                    <p:cond delay="0"/>
+                                  </p:stCondLst>
+                                  <p:childTnLst>
+                                    <p:set>
+                                      <p:cBhvr>
+                                        <p:cTn id="15" dur="1" fill="hold">
+                                          <p:stCondLst>
+                                            <p:cond delay="0"/>
+                                          </p:stCondLst>
+                                        </p:cTn>
+                                        <p:tgtEl>
+                                          <p:spTgt spid="7"/>
+                                        </p:tgtEl>
+                                        <p:attrNameLst>
+                                          <p:attrName>style.visibility</p:attrName>
+                                        </p:attrNameLst>
+                                      </p:cBhvr>
+                                      <p:to>
+                                        <p:strVal val="visible"/>
+                                      </p:to>
+                                    </p:set>
+                                    <p:animEffect transition="in" filter="fade">
+                                      <p:cBhvr>
+                                        <p:cTn id="16" dur="500"/>
+                                        <p:tgtEl>
+                                          <p:spTgt spid="7"/>
+                                        </p:tgtEl>
+                                      </p:cBhvr>
+                                    </p:animEffect>
+                                  </p:childTnLst>
+                                </p:cTn>
+                              </p:par>
+                              <p:par>
+                                <p:cTn id="17" presetID="10" presetClass="entr" presetSubtype="0" fill="hold" grpId="0" nodeType="withEffect">
+                                  <p:stCondLst>
+                                    <p:cond delay="0"/>
+                                  </p:stCondLst>
+                                  <p:childTnLst>
+                                    <p:set>
+                                      <p:cBhvr>
+                                        <p:cTn id="18" dur="1" fill="hold">
+                                          <p:stCondLst>
+                                            <p:cond delay="0"/>
+                                          </p:stCondLst>
+                                        </p:cTn>
+                                        <p:tgtEl>
+                                          <p:spTgt spid="14"/>
+                                        </p:tgtEl>
+                                        <p:attrNameLst>
+                                          <p:attrName>style.visibility</p:attrName>
+                                        </p:attrNameLst>
+                                      </p:cBhvr>
+                                      <p:to>
+                                        <p:strVal val="visible"/>
+                                      </p:to>
+                                    </p:set>
+                                    <p:animEffect transition="in" filter="fade">
+                                      <p:cBhvr>
+                                        <p:cTn id="19" dur="500"/>
+                                        <p:tgtEl>
+                                          <p:spTgt spid="14"/>
+                                        </p:tgtEl>
+                                      </p:cBhvr>
+                                    </p:animEffect>
+                                  </p:childTnLst>
+                                </p:cTn>
+                              </p:par>
+                            </p:childTnLst>
+                          </p:cTn>
+                        </p:par>
+                      </p:childTnLst>
+                    </p:cTn>
+                  </p:par>
+                </p:childTnLst>
+              </p:cTn>
+              <p:prevCondLst>
+                <p:cond evt="onPrev" delay="0">
+                  <p:tgtEl>
+                    <p:sldTgt/>
+                  </p:tgtEl>
+                </p:cond>
+              </p:prevCondLst>
+              <p:nextCondLst>
+                <p:cond evt="onNext" delay="0">
+                  <p:tgtEl>
+                    <p:sldTgt/>
+                  </p:tgtEl>
+                </p:cond>
+              </p:nextCondLst>
+            </p:seq>
+          </p:childTnLst>
+        </p:cTn>
+      </p:par>
+    </p:tnLst>
+    <p:bldLst>
+      <p:bldP spid="6" grpId="0" animBg="1"/>
+      <p:bldP spid="7" grpId="0" animBg="1"/>
+      <p:bldP spid="14" grpId="0"/>
+    </p:bldLst>
+  </p:timing>
 </p:sld>
 </file>
 
@@ -4277,12 +4705,12 @@
                     <a:p>
                       <a:pPr algn="l" fontAlgn="b"/>
                       <a:r>
-                        <a:rPr lang="en-US" sz="1100" u="none" strike="noStrike">
+                        <a:rPr lang="en-US" sz="1100" u="none" strike="noStrike" dirty="0">
                           <a:effectLst/>
                         </a:rPr>
                         <a:t> $               10.95 </a:t>
                       </a:r>
-                      <a:endParaRPr lang="en-US" sz="1100" b="0" i="0" u="none" strike="noStrike">
+                      <a:endParaRPr lang="en-US" sz="1100" b="0" i="0" u="none" strike="noStrike" dirty="0">
                         <a:solidFill>
                           <a:srgbClr val="000000"/>
                         </a:solidFill>
@@ -5386,6 +5814,41 @@
           </a:graphicData>
         </a:graphic>
       </p:graphicFrame>
+      <p:sp>
+        <p:nvSpPr>
+          <p:cNvPr id="3" name="TextBox 2">
+            <a:extLst>
+              <a:ext uri="{FF2B5EF4-FFF2-40B4-BE49-F238E27FC236}">
+                <a16:creationId xmlns:a16="http://schemas.microsoft.com/office/drawing/2014/main" id="{2C9449E5-D493-736A-DC71-12A15BBC8DDD}"/>
+              </a:ext>
+            </a:extLst>
+          </p:cNvPr>
+          <p:cNvSpPr txBox="1"/>
+          <p:nvPr/>
+        </p:nvSpPr>
+        <p:spPr>
+          <a:xfrm>
+            <a:off x="3285490" y="2963334"/>
+            <a:ext cx="1088760" cy="261610"/>
+          </a:xfrm>
+          <a:prstGeom prst="rect">
+            <a:avLst/>
+          </a:prstGeom>
+          <a:noFill/>
+        </p:spPr>
+        <p:txBody>
+          <a:bodyPr wrap="none" rtlCol="0">
+            <a:spAutoFit/>
+          </a:bodyPr>
+          <a:lstStyle/>
+          <a:p>
+            <a:r>
+              <a:rPr lang="en-US" sz="1100" dirty="0"/>
+              <a:t>Discontinued!</a:t>
+            </a:r>
+          </a:p>
+        </p:txBody>
+      </p:sp>
     </p:spTree>
     <p:extLst>
       <p:ext uri="{BB962C8B-B14F-4D97-AF65-F5344CB8AC3E}">
@@ -5421,7 +5884,7 @@
           <p:cNvPr id="2" name="Title 1">
             <a:extLst>
               <a:ext uri="{FF2B5EF4-FFF2-40B4-BE49-F238E27FC236}">
-                <a16:creationId xmlns:a16="http://schemas.microsoft.com/office/drawing/2014/main" id="{F4E79E37-C20A-0672-A7FD-6A66D7129DE3}"/>
+                <a16:creationId xmlns:a16="http://schemas.microsoft.com/office/drawing/2014/main" id="{8C98A225-217A-E492-3CBE-A2DE12D4F81A}"/>
               </a:ext>
             </a:extLst>
           </p:cNvPr>
@@ -5439,46 +5902,1289 @@
           <a:p>
             <a:r>
               <a:rPr lang="en-US" dirty="0"/>
-              <a:t>System Power Consumption</a:t>
+              <a:t>System Weight</a:t>
             </a:r>
           </a:p>
         </p:txBody>
       </p:sp>
-      <p:pic>
-        <p:nvPicPr>
-          <p:cNvPr id="5" name="Content Placeholder 4">
-            <a:extLst>
-              <a:ext uri="{FF2B5EF4-FFF2-40B4-BE49-F238E27FC236}">
-                <a16:creationId xmlns:a16="http://schemas.microsoft.com/office/drawing/2014/main" id="{02C1EC03-15AC-96AB-4E92-A8F1143762F7}"/>
-              </a:ext>
-            </a:extLst>
-          </p:cNvPr>
-          <p:cNvPicPr>
-            <a:picLocks noGrp="1" noChangeAspect="1"/>
-          </p:cNvPicPr>
+      <p:graphicFrame>
+        <p:nvGraphicFramePr>
+          <p:cNvPr id="4" name="Content Placeholder 3">
+            <a:extLst>
+              <a:ext uri="{FF2B5EF4-FFF2-40B4-BE49-F238E27FC236}">
+                <a16:creationId xmlns:a16="http://schemas.microsoft.com/office/drawing/2014/main" id="{A67E7343-9956-BA78-E64C-807708A1FC97}"/>
+              </a:ext>
+            </a:extLst>
+          </p:cNvPr>
+          <p:cNvGraphicFramePr>
+            <a:graphicFrameLocks noGrp="1"/>
+          </p:cNvGraphicFramePr>
           <p:nvPr>
             <p:ph idx="1"/>
+            <p:extLst>
+              <p:ext uri="{D42A27DB-BD31-4B8C-83A1-F6EECF244321}">
+                <p14:modId xmlns:p14="http://schemas.microsoft.com/office/powerpoint/2010/main" val="1400842650"/>
+              </p:ext>
+            </p:extLst>
           </p:nvPr>
-        </p:nvPicPr>
-        <p:blipFill>
-          <a:blip r:embed="rId2"/>
-          <a:stretch>
-            <a:fillRect/>
-          </a:stretch>
-        </p:blipFill>
-        <p:spPr>
-          <a:xfrm>
-            <a:off x="1088481" y="2502041"/>
-            <a:ext cx="4585458" cy="3563479"/>
-          </a:xfrm>
-        </p:spPr>
-      </p:pic>
+        </p:nvGraphicFramePr>
+        <p:xfrm>
+          <a:off x="1443567" y="2095499"/>
+          <a:ext cx="3145366" cy="3221562"/>
+        </p:xfrm>
+        <a:graphic>
+          <a:graphicData uri="http://schemas.openxmlformats.org/drawingml/2006/table">
+            <a:tbl>
+              <a:tblPr>
+                <a:tableStyleId>{5C22544A-7EE6-4342-B048-85BDC9FD1C3A}</a:tableStyleId>
+              </a:tblPr>
+              <a:tblGrid>
+                <a:gridCol w="2277679">
+                  <a:extLst>
+                    <a:ext uri="{9D8B030D-6E8A-4147-A177-3AD203B41FA5}">
+                      <a16:colId xmlns:a16="http://schemas.microsoft.com/office/drawing/2014/main" val="39269421"/>
+                    </a:ext>
+                  </a:extLst>
+                </a:gridCol>
+                <a:gridCol w="867687">
+                  <a:extLst>
+                    <a:ext uri="{9D8B030D-6E8A-4147-A177-3AD203B41FA5}">
+                      <a16:colId xmlns:a16="http://schemas.microsoft.com/office/drawing/2014/main" val="41792324"/>
+                    </a:ext>
+                  </a:extLst>
+                </a:gridCol>
+              </a:tblGrid>
+              <a:tr h="414201">
+                <a:tc>
+                  <a:txBody>
+                    <a:bodyPr/>
+                    <a:lstStyle/>
+                    <a:p>
+                      <a:pPr algn="l" fontAlgn="b"/>
+                      <a:r>
+                        <a:rPr lang="en-US" sz="1100" u="none" strike="noStrike">
+                          <a:effectLst/>
+                        </a:rPr>
+                        <a:t>Part</a:t>
+                      </a:r>
+                      <a:endParaRPr lang="en-US" sz="1100" b="0" i="0" u="none" strike="noStrike">
+                        <a:solidFill>
+                          <a:srgbClr val="000000"/>
+                        </a:solidFill>
+                        <a:effectLst/>
+                        <a:latin typeface="Aptos Narrow" panose="020B0004020202020204" pitchFamily="34" charset="0"/>
+                      </a:endParaRPr>
+                    </a:p>
+                  </a:txBody>
+                  <a:tcPr marL="7620" marR="7620" marT="7620" marB="0" anchor="b"/>
+                </a:tc>
+                <a:tc>
+                  <a:txBody>
+                    <a:bodyPr/>
+                    <a:lstStyle/>
+                    <a:p>
+                      <a:pPr algn="l" fontAlgn="b"/>
+                      <a:r>
+                        <a:rPr lang="en-US" sz="1100" u="none" strike="noStrike">
+                          <a:effectLst/>
+                        </a:rPr>
+                        <a:t>Weight (g)</a:t>
+                      </a:r>
+                      <a:endParaRPr lang="en-US" sz="1100" b="0" i="0" u="none" strike="noStrike">
+                        <a:solidFill>
+                          <a:srgbClr val="000000"/>
+                        </a:solidFill>
+                        <a:effectLst/>
+                        <a:latin typeface="Aptos Narrow" panose="020B0004020202020204" pitchFamily="34" charset="0"/>
+                      </a:endParaRPr>
+                    </a:p>
+                  </a:txBody>
+                  <a:tcPr marL="7620" marR="7620" marT="7620" marB="0" anchor="b"/>
+                </a:tc>
+                <a:extLst>
+                  <a:ext uri="{0D108BD9-81ED-4DB2-BD59-A6C34878D82A}">
+                    <a16:rowId xmlns:a16="http://schemas.microsoft.com/office/drawing/2014/main" val="3613605238"/>
+                  </a:ext>
+                </a:extLst>
+              </a:tr>
+              <a:tr h="211703">
+                <a:tc>
+                  <a:txBody>
+                    <a:bodyPr/>
+                    <a:lstStyle/>
+                    <a:p>
+                      <a:pPr algn="l" fontAlgn="b"/>
+                      <a:r>
+                        <a:rPr lang="en-US" sz="1100" u="none" strike="noStrike">
+                          <a:effectLst/>
+                        </a:rPr>
+                        <a:t>Sparkfun Openlog</a:t>
+                      </a:r>
+                      <a:endParaRPr lang="en-US" sz="1100" b="0" i="0" u="none" strike="noStrike">
+                        <a:solidFill>
+                          <a:srgbClr val="000000"/>
+                        </a:solidFill>
+                        <a:effectLst/>
+                        <a:latin typeface="Aptos Narrow" panose="020B0004020202020204" pitchFamily="34" charset="0"/>
+                      </a:endParaRPr>
+                    </a:p>
+                  </a:txBody>
+                  <a:tcPr marL="7620" marR="7620" marT="7620" marB="0" anchor="b"/>
+                </a:tc>
+                <a:tc>
+                  <a:txBody>
+                    <a:bodyPr/>
+                    <a:lstStyle/>
+                    <a:p>
+                      <a:pPr algn="r" fontAlgn="b"/>
+                      <a:r>
+                        <a:rPr lang="en-US" sz="1100" u="none" strike="noStrike">
+                          <a:effectLst/>
+                        </a:rPr>
+                        <a:t>2</a:t>
+                      </a:r>
+                      <a:endParaRPr lang="en-US" sz="1100" b="0" i="0" u="none" strike="noStrike">
+                        <a:solidFill>
+                          <a:srgbClr val="000000"/>
+                        </a:solidFill>
+                        <a:effectLst/>
+                        <a:latin typeface="Aptos Narrow" panose="020B0004020202020204" pitchFamily="34" charset="0"/>
+                      </a:endParaRPr>
+                    </a:p>
+                  </a:txBody>
+                  <a:tcPr marL="7620" marR="7620" marT="7620" marB="0" anchor="b"/>
+                </a:tc>
+                <a:extLst>
+                  <a:ext uri="{0D108BD9-81ED-4DB2-BD59-A6C34878D82A}">
+                    <a16:rowId xmlns:a16="http://schemas.microsoft.com/office/drawing/2014/main" val="2421130284"/>
+                  </a:ext>
+                </a:extLst>
+              </a:tr>
+              <a:tr h="220907">
+                <a:tc>
+                  <a:txBody>
+                    <a:bodyPr/>
+                    <a:lstStyle/>
+                    <a:p>
+                      <a:pPr algn="l" fontAlgn="b"/>
+                      <a:r>
+                        <a:rPr lang="en-US" sz="1100" u="none" strike="noStrike">
+                          <a:effectLst/>
+                        </a:rPr>
+                        <a:t>Sparkfun Accelerometer</a:t>
+                      </a:r>
+                      <a:endParaRPr lang="en-US" sz="1100" b="0" i="0" u="none" strike="noStrike">
+                        <a:solidFill>
+                          <a:srgbClr val="000000"/>
+                        </a:solidFill>
+                        <a:effectLst/>
+                        <a:latin typeface="Aptos Narrow" panose="020B0004020202020204" pitchFamily="34" charset="0"/>
+                      </a:endParaRPr>
+                    </a:p>
+                  </a:txBody>
+                  <a:tcPr marL="7620" marR="7620" marT="7620" marB="0" anchor="b"/>
+                </a:tc>
+                <a:tc>
+                  <a:txBody>
+                    <a:bodyPr/>
+                    <a:lstStyle/>
+                    <a:p>
+                      <a:pPr algn="r" fontAlgn="b"/>
+                      <a:r>
+                        <a:rPr lang="en-US" sz="1100" u="none" strike="noStrike">
+                          <a:effectLst/>
+                        </a:rPr>
+                        <a:t>2</a:t>
+                      </a:r>
+                      <a:endParaRPr lang="en-US" sz="1100" b="0" i="0" u="none" strike="noStrike">
+                        <a:solidFill>
+                          <a:srgbClr val="000000"/>
+                        </a:solidFill>
+                        <a:effectLst/>
+                        <a:latin typeface="Aptos Narrow" panose="020B0004020202020204" pitchFamily="34" charset="0"/>
+                      </a:endParaRPr>
+                    </a:p>
+                  </a:txBody>
+                  <a:tcPr marL="7620" marR="7620" marT="7620" marB="0" anchor="b"/>
+                </a:tc>
+                <a:extLst>
+                  <a:ext uri="{0D108BD9-81ED-4DB2-BD59-A6C34878D82A}">
+                    <a16:rowId xmlns:a16="http://schemas.microsoft.com/office/drawing/2014/main" val="2226866488"/>
+                  </a:ext>
+                </a:extLst>
+              </a:tr>
+              <a:tr h="414201">
+                <a:tc>
+                  <a:txBody>
+                    <a:bodyPr/>
+                    <a:lstStyle/>
+                    <a:p>
+                      <a:pPr algn="l" fontAlgn="b"/>
+                      <a:r>
+                        <a:rPr lang="en-US" sz="1100" u="none" strike="noStrike">
+                          <a:effectLst/>
+                        </a:rPr>
+                        <a:t>Sparkfun Humidity Sensor</a:t>
+                      </a:r>
+                      <a:endParaRPr lang="en-US" sz="1100" b="0" i="0" u="none" strike="noStrike">
+                        <a:solidFill>
+                          <a:srgbClr val="000000"/>
+                        </a:solidFill>
+                        <a:effectLst/>
+                        <a:latin typeface="Aptos Narrow" panose="020B0004020202020204" pitchFamily="34" charset="0"/>
+                      </a:endParaRPr>
+                    </a:p>
+                  </a:txBody>
+                  <a:tcPr marL="7620" marR="7620" marT="7620" marB="0" anchor="b"/>
+                </a:tc>
+                <a:tc>
+                  <a:txBody>
+                    <a:bodyPr/>
+                    <a:lstStyle/>
+                    <a:p>
+                      <a:pPr algn="r" fontAlgn="b"/>
+                      <a:r>
+                        <a:rPr lang="en-US" sz="1100" u="none" strike="noStrike">
+                          <a:effectLst/>
+                        </a:rPr>
+                        <a:t>2</a:t>
+                      </a:r>
+                      <a:endParaRPr lang="en-US" sz="1100" b="0" i="0" u="none" strike="noStrike">
+                        <a:solidFill>
+                          <a:srgbClr val="000000"/>
+                        </a:solidFill>
+                        <a:effectLst/>
+                        <a:latin typeface="Aptos Narrow" panose="020B0004020202020204" pitchFamily="34" charset="0"/>
+                      </a:endParaRPr>
+                    </a:p>
+                  </a:txBody>
+                  <a:tcPr marL="7620" marR="7620" marT="7620" marB="0" anchor="b"/>
+                </a:tc>
+                <a:extLst>
+                  <a:ext uri="{0D108BD9-81ED-4DB2-BD59-A6C34878D82A}">
+                    <a16:rowId xmlns:a16="http://schemas.microsoft.com/office/drawing/2014/main" val="103401205"/>
+                  </a:ext>
+                </a:extLst>
+              </a:tr>
+              <a:tr h="220907">
+                <a:tc>
+                  <a:txBody>
+                    <a:bodyPr/>
+                    <a:lstStyle/>
+                    <a:p>
+                      <a:pPr algn="l" fontAlgn="b"/>
+                      <a:r>
+                        <a:rPr lang="en-US" sz="1100" u="none" strike="noStrike">
+                          <a:effectLst/>
+                        </a:rPr>
+                        <a:t>Arduino Uno R3</a:t>
+                      </a:r>
+                      <a:endParaRPr lang="en-US" sz="1100" b="0" i="0" u="none" strike="noStrike">
+                        <a:solidFill>
+                          <a:srgbClr val="000000"/>
+                        </a:solidFill>
+                        <a:effectLst/>
+                        <a:latin typeface="Aptos Narrow" panose="020B0004020202020204" pitchFamily="34" charset="0"/>
+                      </a:endParaRPr>
+                    </a:p>
+                  </a:txBody>
+                  <a:tcPr marL="7620" marR="7620" marT="7620" marB="0" anchor="b"/>
+                </a:tc>
+                <a:tc>
+                  <a:txBody>
+                    <a:bodyPr/>
+                    <a:lstStyle/>
+                    <a:p>
+                      <a:pPr algn="r" fontAlgn="b"/>
+                      <a:r>
+                        <a:rPr lang="en-US" sz="1100" u="none" strike="noStrike">
+                          <a:effectLst/>
+                        </a:rPr>
+                        <a:t>25</a:t>
+                      </a:r>
+                      <a:endParaRPr lang="en-US" sz="1100" b="0" i="0" u="none" strike="noStrike">
+                        <a:solidFill>
+                          <a:srgbClr val="000000"/>
+                        </a:solidFill>
+                        <a:effectLst/>
+                        <a:latin typeface="Aptos Narrow" panose="020B0004020202020204" pitchFamily="34" charset="0"/>
+                      </a:endParaRPr>
+                    </a:p>
+                  </a:txBody>
+                  <a:tcPr marL="7620" marR="7620" marT="7620" marB="0" anchor="b"/>
+                </a:tc>
+                <a:extLst>
+                  <a:ext uri="{0D108BD9-81ED-4DB2-BD59-A6C34878D82A}">
+                    <a16:rowId xmlns:a16="http://schemas.microsoft.com/office/drawing/2014/main" val="3937636387"/>
+                  </a:ext>
+                </a:extLst>
+              </a:tr>
+              <a:tr h="220907">
+                <a:tc>
+                  <a:txBody>
+                    <a:bodyPr/>
+                    <a:lstStyle/>
+                    <a:p>
+                      <a:pPr algn="l" fontAlgn="b"/>
+                      <a:r>
+                        <a:rPr lang="en-US" sz="1100" u="none" strike="noStrike">
+                          <a:effectLst/>
+                        </a:rPr>
+                        <a:t>Silicon Pressure Sensor</a:t>
+                      </a:r>
+                      <a:endParaRPr lang="en-US" sz="1100" b="0" i="0" u="none" strike="noStrike">
+                        <a:solidFill>
+                          <a:srgbClr val="000000"/>
+                        </a:solidFill>
+                        <a:effectLst/>
+                        <a:latin typeface="Aptos Narrow" panose="020B0004020202020204" pitchFamily="34" charset="0"/>
+                      </a:endParaRPr>
+                    </a:p>
+                  </a:txBody>
+                  <a:tcPr marL="7620" marR="7620" marT="7620" marB="0" anchor="b"/>
+                </a:tc>
+                <a:tc>
+                  <a:txBody>
+                    <a:bodyPr/>
+                    <a:lstStyle/>
+                    <a:p>
+                      <a:pPr algn="r" fontAlgn="b"/>
+                      <a:r>
+                        <a:rPr lang="en-US" sz="1100" u="none" strike="noStrike">
+                          <a:effectLst/>
+                        </a:rPr>
+                        <a:t>2.5</a:t>
+                      </a:r>
+                      <a:endParaRPr lang="en-US" sz="1100" b="0" i="0" u="none" strike="noStrike">
+                        <a:solidFill>
+                          <a:srgbClr val="000000"/>
+                        </a:solidFill>
+                        <a:effectLst/>
+                        <a:latin typeface="Aptos Narrow" panose="020B0004020202020204" pitchFamily="34" charset="0"/>
+                      </a:endParaRPr>
+                    </a:p>
+                  </a:txBody>
+                  <a:tcPr marL="7620" marR="7620" marT="7620" marB="0" anchor="b"/>
+                </a:tc>
+                <a:extLst>
+                  <a:ext uri="{0D108BD9-81ED-4DB2-BD59-A6C34878D82A}">
+                    <a16:rowId xmlns:a16="http://schemas.microsoft.com/office/drawing/2014/main" val="4127268141"/>
+                  </a:ext>
+                </a:extLst>
+              </a:tr>
+              <a:tr h="220907">
+                <a:tc>
+                  <a:txBody>
+                    <a:bodyPr/>
+                    <a:lstStyle/>
+                    <a:p>
+                      <a:pPr algn="l" fontAlgn="b"/>
+                      <a:endParaRPr lang="en-US" sz="1100" b="0" i="0" u="none" strike="noStrike">
+                        <a:solidFill>
+                          <a:srgbClr val="000000"/>
+                        </a:solidFill>
+                        <a:effectLst/>
+                        <a:latin typeface="Aptos Narrow" panose="020B0004020202020204" pitchFamily="34" charset="0"/>
+                      </a:endParaRPr>
+                    </a:p>
+                  </a:txBody>
+                  <a:tcPr marL="7620" marR="7620" marT="7620" marB="0" anchor="b"/>
+                </a:tc>
+                <a:tc>
+                  <a:txBody>
+                    <a:bodyPr/>
+                    <a:lstStyle/>
+                    <a:p>
+                      <a:pPr algn="l" fontAlgn="b"/>
+                      <a:endParaRPr lang="en-US" sz="1100" b="0" i="0" u="none" strike="noStrike">
+                        <a:solidFill>
+                          <a:srgbClr val="000000"/>
+                        </a:solidFill>
+                        <a:effectLst/>
+                        <a:latin typeface="Aptos Narrow" panose="020B0004020202020204" pitchFamily="34" charset="0"/>
+                      </a:endParaRPr>
+                    </a:p>
+                  </a:txBody>
+                  <a:tcPr marL="7620" marR="7620" marT="7620" marB="0" anchor="b"/>
+                </a:tc>
+                <a:extLst>
+                  <a:ext uri="{0D108BD9-81ED-4DB2-BD59-A6C34878D82A}">
+                    <a16:rowId xmlns:a16="http://schemas.microsoft.com/office/drawing/2014/main" val="1968074770"/>
+                  </a:ext>
+                </a:extLst>
+              </a:tr>
+              <a:tr h="414201">
+                <a:tc>
+                  <a:txBody>
+                    <a:bodyPr/>
+                    <a:lstStyle/>
+                    <a:p>
+                      <a:pPr algn="l" fontAlgn="b"/>
+                      <a:r>
+                        <a:rPr lang="en-US" sz="1100" u="none" strike="noStrike">
+                          <a:effectLst/>
+                        </a:rPr>
+                        <a:t>PCB Shield (Assumed price)</a:t>
+                      </a:r>
+                      <a:endParaRPr lang="en-US" sz="1100" b="0" i="0" u="none" strike="noStrike">
+                        <a:solidFill>
+                          <a:srgbClr val="000000"/>
+                        </a:solidFill>
+                        <a:effectLst/>
+                        <a:latin typeface="Aptos Narrow" panose="020B0004020202020204" pitchFamily="34" charset="0"/>
+                      </a:endParaRPr>
+                    </a:p>
+                  </a:txBody>
+                  <a:tcPr marL="7620" marR="7620" marT="7620" marB="0" anchor="b"/>
+                </a:tc>
+                <a:tc>
+                  <a:txBody>
+                    <a:bodyPr/>
+                    <a:lstStyle/>
+                    <a:p>
+                      <a:pPr algn="r" fontAlgn="b"/>
+                      <a:r>
+                        <a:rPr lang="en-US" sz="1100" u="none" strike="noStrike">
+                          <a:effectLst/>
+                        </a:rPr>
+                        <a:t>20</a:t>
+                      </a:r>
+                      <a:endParaRPr lang="en-US" sz="1100" b="0" i="0" u="none" strike="noStrike">
+                        <a:solidFill>
+                          <a:srgbClr val="000000"/>
+                        </a:solidFill>
+                        <a:effectLst/>
+                        <a:latin typeface="Aptos Narrow" panose="020B0004020202020204" pitchFamily="34" charset="0"/>
+                      </a:endParaRPr>
+                    </a:p>
+                  </a:txBody>
+                  <a:tcPr marL="7620" marR="7620" marT="7620" marB="0" anchor="b"/>
+                </a:tc>
+                <a:extLst>
+                  <a:ext uri="{0D108BD9-81ED-4DB2-BD59-A6C34878D82A}">
+                    <a16:rowId xmlns:a16="http://schemas.microsoft.com/office/drawing/2014/main" val="1689356688"/>
+                  </a:ext>
+                </a:extLst>
+              </a:tr>
+              <a:tr h="220907">
+                <a:tc>
+                  <a:txBody>
+                    <a:bodyPr/>
+                    <a:lstStyle/>
+                    <a:p>
+                      <a:pPr algn="l" fontAlgn="b"/>
+                      <a:r>
+                        <a:rPr lang="en-US" sz="1100" u="none" strike="noStrike">
+                          <a:effectLst/>
+                        </a:rPr>
+                        <a:t>LEDs</a:t>
+                      </a:r>
+                      <a:endParaRPr lang="en-US" sz="1100" b="0" i="0" u="none" strike="noStrike">
+                        <a:solidFill>
+                          <a:srgbClr val="000000"/>
+                        </a:solidFill>
+                        <a:effectLst/>
+                        <a:latin typeface="Aptos Narrow" panose="020B0004020202020204" pitchFamily="34" charset="0"/>
+                      </a:endParaRPr>
+                    </a:p>
+                  </a:txBody>
+                  <a:tcPr marL="7620" marR="7620" marT="7620" marB="0" anchor="b"/>
+                </a:tc>
+                <a:tc>
+                  <a:txBody>
+                    <a:bodyPr/>
+                    <a:lstStyle/>
+                    <a:p>
+                      <a:pPr algn="r" fontAlgn="b"/>
+                      <a:r>
+                        <a:rPr lang="en-US" sz="1100" u="none" strike="noStrike">
+                          <a:effectLst/>
+                        </a:rPr>
+                        <a:t>1.2</a:t>
+                      </a:r>
+                      <a:endParaRPr lang="en-US" sz="1100" b="0" i="0" u="none" strike="noStrike">
+                        <a:solidFill>
+                          <a:srgbClr val="000000"/>
+                        </a:solidFill>
+                        <a:effectLst/>
+                        <a:latin typeface="Aptos Narrow" panose="020B0004020202020204" pitchFamily="34" charset="0"/>
+                      </a:endParaRPr>
+                    </a:p>
+                  </a:txBody>
+                  <a:tcPr marL="7620" marR="7620" marT="7620" marB="0" anchor="b"/>
+                </a:tc>
+                <a:extLst>
+                  <a:ext uri="{0D108BD9-81ED-4DB2-BD59-A6C34878D82A}">
+                    <a16:rowId xmlns:a16="http://schemas.microsoft.com/office/drawing/2014/main" val="1918819572"/>
+                  </a:ext>
+                </a:extLst>
+              </a:tr>
+              <a:tr h="220907">
+                <a:tc>
+                  <a:txBody>
+                    <a:bodyPr/>
+                    <a:lstStyle/>
+                    <a:p>
+                      <a:pPr algn="l" fontAlgn="b"/>
+                      <a:endParaRPr lang="en-US" sz="1100" b="0" i="0" u="none" strike="noStrike">
+                        <a:solidFill>
+                          <a:srgbClr val="000000"/>
+                        </a:solidFill>
+                        <a:effectLst/>
+                        <a:latin typeface="Aptos Narrow" panose="020B0004020202020204" pitchFamily="34" charset="0"/>
+                      </a:endParaRPr>
+                    </a:p>
+                  </a:txBody>
+                  <a:tcPr marL="7620" marR="7620" marT="7620" marB="0" anchor="b"/>
+                </a:tc>
+                <a:tc>
+                  <a:txBody>
+                    <a:bodyPr/>
+                    <a:lstStyle/>
+                    <a:p>
+                      <a:pPr algn="l" fontAlgn="b"/>
+                      <a:endParaRPr lang="en-US" sz="1100" b="0" i="0" u="none" strike="noStrike">
+                        <a:solidFill>
+                          <a:srgbClr val="000000"/>
+                        </a:solidFill>
+                        <a:effectLst/>
+                        <a:latin typeface="Aptos Narrow" panose="020B0004020202020204" pitchFamily="34" charset="0"/>
+                      </a:endParaRPr>
+                    </a:p>
+                  </a:txBody>
+                  <a:tcPr marL="7620" marR="7620" marT="7620" marB="0" anchor="b"/>
+                </a:tc>
+                <a:extLst>
+                  <a:ext uri="{0D108BD9-81ED-4DB2-BD59-A6C34878D82A}">
+                    <a16:rowId xmlns:a16="http://schemas.microsoft.com/office/drawing/2014/main" val="3119096661"/>
+                  </a:ext>
+                </a:extLst>
+              </a:tr>
+              <a:tr h="220907">
+                <a:tc>
+                  <a:txBody>
+                    <a:bodyPr/>
+                    <a:lstStyle/>
+                    <a:p>
+                      <a:pPr algn="l" fontAlgn="b"/>
+                      <a:r>
+                        <a:rPr lang="en-US" sz="1100" u="none" strike="noStrike">
+                          <a:effectLst/>
+                        </a:rPr>
+                        <a:t>Pin Headers (16POS)</a:t>
+                      </a:r>
+                      <a:endParaRPr lang="en-US" sz="1100" b="0" i="0" u="none" strike="noStrike">
+                        <a:solidFill>
+                          <a:srgbClr val="000000"/>
+                        </a:solidFill>
+                        <a:effectLst/>
+                        <a:latin typeface="Aptos Narrow" panose="020B0004020202020204" pitchFamily="34" charset="0"/>
+                      </a:endParaRPr>
+                    </a:p>
+                  </a:txBody>
+                  <a:tcPr marL="7620" marR="7620" marT="7620" marB="0" anchor="b"/>
+                </a:tc>
+                <a:tc>
+                  <a:txBody>
+                    <a:bodyPr/>
+                    <a:lstStyle/>
+                    <a:p>
+                      <a:pPr algn="r" fontAlgn="b"/>
+                      <a:r>
+                        <a:rPr lang="en-US" sz="1100" u="none" strike="noStrike">
+                          <a:effectLst/>
+                        </a:rPr>
+                        <a:t>3</a:t>
+                      </a:r>
+                      <a:endParaRPr lang="en-US" sz="1100" b="0" i="0" u="none" strike="noStrike">
+                        <a:solidFill>
+                          <a:srgbClr val="000000"/>
+                        </a:solidFill>
+                        <a:effectLst/>
+                        <a:latin typeface="Aptos Narrow" panose="020B0004020202020204" pitchFamily="34" charset="0"/>
+                      </a:endParaRPr>
+                    </a:p>
+                  </a:txBody>
+                  <a:tcPr marL="7620" marR="7620" marT="7620" marB="0" anchor="b"/>
+                </a:tc>
+                <a:extLst>
+                  <a:ext uri="{0D108BD9-81ED-4DB2-BD59-A6C34878D82A}">
+                    <a16:rowId xmlns:a16="http://schemas.microsoft.com/office/drawing/2014/main" val="3304292532"/>
+                  </a:ext>
+                </a:extLst>
+              </a:tr>
+              <a:tr h="220907">
+                <a:tc>
+                  <a:txBody>
+                    <a:bodyPr/>
+                    <a:lstStyle/>
+                    <a:p>
+                      <a:pPr algn="l" fontAlgn="b"/>
+                      <a:endParaRPr lang="en-US" sz="1100" b="0" i="0" u="none" strike="noStrike">
+                        <a:solidFill>
+                          <a:srgbClr val="000000"/>
+                        </a:solidFill>
+                        <a:effectLst/>
+                        <a:latin typeface="Aptos Narrow" panose="020B0004020202020204" pitchFamily="34" charset="0"/>
+                      </a:endParaRPr>
+                    </a:p>
+                  </a:txBody>
+                  <a:tcPr marL="7620" marR="7620" marT="7620" marB="0" anchor="b"/>
+                </a:tc>
+                <a:tc>
+                  <a:txBody>
+                    <a:bodyPr/>
+                    <a:lstStyle/>
+                    <a:p>
+                      <a:pPr algn="r" fontAlgn="b"/>
+                      <a:r>
+                        <a:rPr lang="en-US" sz="1100" u="none" strike="noStrike" dirty="0">
+                          <a:effectLst/>
+                        </a:rPr>
+                        <a:t>57.7</a:t>
+                      </a:r>
+                      <a:endParaRPr lang="en-US" sz="1100" b="0" i="0" u="none" strike="noStrike" dirty="0">
+                        <a:solidFill>
+                          <a:srgbClr val="000000"/>
+                        </a:solidFill>
+                        <a:effectLst/>
+                        <a:latin typeface="Aptos Narrow" panose="020B0004020202020204" pitchFamily="34" charset="0"/>
+                      </a:endParaRPr>
+                    </a:p>
+                  </a:txBody>
+                  <a:tcPr marL="7620" marR="7620" marT="7620" marB="0" anchor="b"/>
+                </a:tc>
+                <a:extLst>
+                  <a:ext uri="{0D108BD9-81ED-4DB2-BD59-A6C34878D82A}">
+                    <a16:rowId xmlns:a16="http://schemas.microsoft.com/office/drawing/2014/main" val="2868436674"/>
+                  </a:ext>
+                </a:extLst>
+              </a:tr>
+            </a:tbl>
+          </a:graphicData>
+        </a:graphic>
+      </p:graphicFrame>
+      <p:graphicFrame>
+        <p:nvGraphicFramePr>
+          <p:cNvPr id="5" name="Table 4">
+            <a:extLst>
+              <a:ext uri="{FF2B5EF4-FFF2-40B4-BE49-F238E27FC236}">
+                <a16:creationId xmlns:a16="http://schemas.microsoft.com/office/drawing/2014/main" id="{381995D3-901E-430F-121E-7B0AE744408A}"/>
+              </a:ext>
+            </a:extLst>
+          </p:cNvPr>
+          <p:cNvGraphicFramePr>
+            <a:graphicFrameLocks noGrp="1"/>
+          </p:cNvGraphicFramePr>
+          <p:nvPr>
+            <p:extLst>
+              <p:ext uri="{D42A27DB-BD31-4B8C-83A1-F6EECF244321}">
+                <p14:modId xmlns:p14="http://schemas.microsoft.com/office/powerpoint/2010/main" val="1048836160"/>
+              </p:ext>
+            </p:extLst>
+          </p:nvPr>
+        </p:nvGraphicFramePr>
+        <p:xfrm>
+          <a:off x="5143499" y="2095499"/>
+          <a:ext cx="3230034" cy="3221562"/>
+        </p:xfrm>
+        <a:graphic>
+          <a:graphicData uri="http://schemas.openxmlformats.org/drawingml/2006/table">
+            <a:tbl>
+              <a:tblPr>
+                <a:tableStyleId>{5C22544A-7EE6-4342-B048-85BDC9FD1C3A}</a:tableStyleId>
+              </a:tblPr>
+              <a:tblGrid>
+                <a:gridCol w="2338990">
+                  <a:extLst>
+                    <a:ext uri="{9D8B030D-6E8A-4147-A177-3AD203B41FA5}">
+                      <a16:colId xmlns:a16="http://schemas.microsoft.com/office/drawing/2014/main" val="4005900787"/>
+                    </a:ext>
+                  </a:extLst>
+                </a:gridCol>
+                <a:gridCol w="891044">
+                  <a:extLst>
+                    <a:ext uri="{9D8B030D-6E8A-4147-A177-3AD203B41FA5}">
+                      <a16:colId xmlns:a16="http://schemas.microsoft.com/office/drawing/2014/main" val="1483845413"/>
+                    </a:ext>
+                  </a:extLst>
+                </a:gridCol>
+              </a:tblGrid>
+              <a:tr h="443334">
+                <a:tc>
+                  <a:txBody>
+                    <a:bodyPr/>
+                    <a:lstStyle/>
+                    <a:p>
+                      <a:pPr algn="l" fontAlgn="b"/>
+                      <a:r>
+                        <a:rPr lang="en-US" sz="1100" u="none" strike="noStrike">
+                          <a:effectLst/>
+                        </a:rPr>
+                        <a:t>Part</a:t>
+                      </a:r>
+                      <a:endParaRPr lang="en-US" sz="1100" b="0" i="0" u="none" strike="noStrike">
+                        <a:solidFill>
+                          <a:srgbClr val="000000"/>
+                        </a:solidFill>
+                        <a:effectLst/>
+                        <a:latin typeface="Aptos Narrow" panose="020B0004020202020204" pitchFamily="34" charset="0"/>
+                      </a:endParaRPr>
+                    </a:p>
+                  </a:txBody>
+                  <a:tcPr marL="7620" marR="7620" marT="7620" marB="0" anchor="b"/>
+                </a:tc>
+                <a:tc>
+                  <a:txBody>
+                    <a:bodyPr/>
+                    <a:lstStyle/>
+                    <a:p>
+                      <a:pPr algn="l" fontAlgn="b"/>
+                      <a:r>
+                        <a:rPr lang="en-US" sz="1100" u="none" strike="noStrike">
+                          <a:effectLst/>
+                        </a:rPr>
+                        <a:t>Weight (g)</a:t>
+                      </a:r>
+                      <a:endParaRPr lang="en-US" sz="1100" b="0" i="0" u="none" strike="noStrike">
+                        <a:solidFill>
+                          <a:srgbClr val="000000"/>
+                        </a:solidFill>
+                        <a:effectLst/>
+                        <a:latin typeface="Aptos Narrow" panose="020B0004020202020204" pitchFamily="34" charset="0"/>
+                      </a:endParaRPr>
+                    </a:p>
+                  </a:txBody>
+                  <a:tcPr marL="7620" marR="7620" marT="7620" marB="0" anchor="b"/>
+                </a:tc>
+                <a:extLst>
+                  <a:ext uri="{0D108BD9-81ED-4DB2-BD59-A6C34878D82A}">
+                    <a16:rowId xmlns:a16="http://schemas.microsoft.com/office/drawing/2014/main" val="2995153899"/>
+                  </a:ext>
+                </a:extLst>
+              </a:tr>
+              <a:tr h="236445">
+                <a:tc>
+                  <a:txBody>
+                    <a:bodyPr/>
+                    <a:lstStyle/>
+                    <a:p>
+                      <a:pPr algn="l" fontAlgn="b"/>
+                      <a:r>
+                        <a:rPr lang="en-US" sz="1100" u="none" strike="noStrike">
+                          <a:effectLst/>
+                        </a:rPr>
+                        <a:t>Adafruit BME280</a:t>
+                      </a:r>
+                      <a:endParaRPr lang="en-US" sz="1100" b="0" i="0" u="none" strike="noStrike">
+                        <a:solidFill>
+                          <a:srgbClr val="000000"/>
+                        </a:solidFill>
+                        <a:effectLst/>
+                        <a:latin typeface="Aptos Narrow" panose="020B0004020202020204" pitchFamily="34" charset="0"/>
+                      </a:endParaRPr>
+                    </a:p>
+                  </a:txBody>
+                  <a:tcPr marL="7620" marR="7620" marT="7620" marB="0" anchor="b"/>
+                </a:tc>
+                <a:tc>
+                  <a:txBody>
+                    <a:bodyPr/>
+                    <a:lstStyle/>
+                    <a:p>
+                      <a:pPr algn="r" fontAlgn="b"/>
+                      <a:r>
+                        <a:rPr lang="en-US" sz="1100" u="none" strike="noStrike">
+                          <a:effectLst/>
+                        </a:rPr>
+                        <a:t>1.2</a:t>
+                      </a:r>
+                      <a:endParaRPr lang="en-US" sz="1100" b="0" i="0" u="none" strike="noStrike">
+                        <a:solidFill>
+                          <a:srgbClr val="000000"/>
+                        </a:solidFill>
+                        <a:effectLst/>
+                        <a:latin typeface="Aptos Narrow" panose="020B0004020202020204" pitchFamily="34" charset="0"/>
+                      </a:endParaRPr>
+                    </a:p>
+                  </a:txBody>
+                  <a:tcPr marL="7620" marR="7620" marT="7620" marB="0" anchor="b"/>
+                </a:tc>
+                <a:extLst>
+                  <a:ext uri="{0D108BD9-81ED-4DB2-BD59-A6C34878D82A}">
+                    <a16:rowId xmlns:a16="http://schemas.microsoft.com/office/drawing/2014/main" val="3120390205"/>
+                  </a:ext>
+                </a:extLst>
+              </a:tr>
+              <a:tr h="443334">
+                <a:tc>
+                  <a:txBody>
+                    <a:bodyPr/>
+                    <a:lstStyle/>
+                    <a:p>
+                      <a:pPr algn="l" fontAlgn="b"/>
+                      <a:r>
+                        <a:rPr lang="en-US" sz="1100" u="none" strike="noStrike">
+                          <a:effectLst/>
+                        </a:rPr>
+                        <a:t>TMP36GT9Z Temp Sensor</a:t>
+                      </a:r>
+                      <a:endParaRPr lang="en-US" sz="1100" b="0" i="0" u="none" strike="noStrike">
+                        <a:solidFill>
+                          <a:srgbClr val="000000"/>
+                        </a:solidFill>
+                        <a:effectLst/>
+                        <a:latin typeface="Aptos Narrow" panose="020B0004020202020204" pitchFamily="34" charset="0"/>
+                      </a:endParaRPr>
+                    </a:p>
+                  </a:txBody>
+                  <a:tcPr marL="7620" marR="7620" marT="7620" marB="0" anchor="b"/>
+                </a:tc>
+                <a:tc>
+                  <a:txBody>
+                    <a:bodyPr/>
+                    <a:lstStyle/>
+                    <a:p>
+                      <a:pPr algn="r" fontAlgn="b"/>
+                      <a:r>
+                        <a:rPr lang="en-US" sz="1100" u="none" strike="noStrike">
+                          <a:effectLst/>
+                        </a:rPr>
+                        <a:t>0.5</a:t>
+                      </a:r>
+                      <a:endParaRPr lang="en-US" sz="1100" b="0" i="0" u="none" strike="noStrike">
+                        <a:solidFill>
+                          <a:srgbClr val="000000"/>
+                        </a:solidFill>
+                        <a:effectLst/>
+                        <a:latin typeface="Aptos Narrow" panose="020B0004020202020204" pitchFamily="34" charset="0"/>
+                      </a:endParaRPr>
+                    </a:p>
+                  </a:txBody>
+                  <a:tcPr marL="7620" marR="7620" marT="7620" marB="0" anchor="b"/>
+                </a:tc>
+                <a:extLst>
+                  <a:ext uri="{0D108BD9-81ED-4DB2-BD59-A6C34878D82A}">
+                    <a16:rowId xmlns:a16="http://schemas.microsoft.com/office/drawing/2014/main" val="608732225"/>
+                  </a:ext>
+                </a:extLst>
+              </a:tr>
+              <a:tr h="443334">
+                <a:tc>
+                  <a:txBody>
+                    <a:bodyPr/>
+                    <a:lstStyle/>
+                    <a:p>
+                      <a:pPr algn="l" fontAlgn="b"/>
+                      <a:r>
+                        <a:rPr lang="en-US" sz="1100" u="none" strike="noStrike">
+                          <a:effectLst/>
+                        </a:rPr>
+                        <a:t>MPU6050 Accelerometer</a:t>
+                      </a:r>
+                      <a:endParaRPr lang="en-US" sz="1100" b="0" i="0" u="none" strike="noStrike">
+                        <a:solidFill>
+                          <a:srgbClr val="000000"/>
+                        </a:solidFill>
+                        <a:effectLst/>
+                        <a:latin typeface="Aptos Narrow" panose="020B0004020202020204" pitchFamily="34" charset="0"/>
+                      </a:endParaRPr>
+                    </a:p>
+                  </a:txBody>
+                  <a:tcPr marL="7620" marR="7620" marT="7620" marB="0" anchor="b"/>
+                </a:tc>
+                <a:tc>
+                  <a:txBody>
+                    <a:bodyPr/>
+                    <a:lstStyle/>
+                    <a:p>
+                      <a:pPr algn="r" fontAlgn="b"/>
+                      <a:r>
+                        <a:rPr lang="en-US" sz="1100" u="none" strike="noStrike">
+                          <a:effectLst/>
+                        </a:rPr>
+                        <a:t>1</a:t>
+                      </a:r>
+                      <a:endParaRPr lang="en-US" sz="1100" b="0" i="0" u="none" strike="noStrike">
+                        <a:solidFill>
+                          <a:srgbClr val="000000"/>
+                        </a:solidFill>
+                        <a:effectLst/>
+                        <a:latin typeface="Aptos Narrow" panose="020B0004020202020204" pitchFamily="34" charset="0"/>
+                      </a:endParaRPr>
+                    </a:p>
+                  </a:txBody>
+                  <a:tcPr marL="7620" marR="7620" marT="7620" marB="0" anchor="b"/>
+                </a:tc>
+                <a:extLst>
+                  <a:ext uri="{0D108BD9-81ED-4DB2-BD59-A6C34878D82A}">
+                    <a16:rowId xmlns:a16="http://schemas.microsoft.com/office/drawing/2014/main" val="3961938687"/>
+                  </a:ext>
+                </a:extLst>
+              </a:tr>
+              <a:tr h="236445">
+                <a:tc>
+                  <a:txBody>
+                    <a:bodyPr/>
+                    <a:lstStyle/>
+                    <a:p>
+                      <a:pPr algn="l" fontAlgn="b"/>
+                      <a:r>
+                        <a:rPr lang="en-US" sz="1100" u="none" strike="noStrike">
+                          <a:effectLst/>
+                        </a:rPr>
+                        <a:t>Sparkfun Openlog</a:t>
+                      </a:r>
+                      <a:endParaRPr lang="en-US" sz="1100" b="0" i="0" u="none" strike="noStrike">
+                        <a:solidFill>
+                          <a:srgbClr val="000000"/>
+                        </a:solidFill>
+                        <a:effectLst/>
+                        <a:latin typeface="Aptos Narrow" panose="020B0004020202020204" pitchFamily="34" charset="0"/>
+                      </a:endParaRPr>
+                    </a:p>
+                  </a:txBody>
+                  <a:tcPr marL="7620" marR="7620" marT="7620" marB="0" anchor="b"/>
+                </a:tc>
+                <a:tc>
+                  <a:txBody>
+                    <a:bodyPr/>
+                    <a:lstStyle/>
+                    <a:p>
+                      <a:pPr algn="r" fontAlgn="b"/>
+                      <a:r>
+                        <a:rPr lang="en-US" sz="1100" u="none" strike="noStrike">
+                          <a:effectLst/>
+                        </a:rPr>
+                        <a:t>2</a:t>
+                      </a:r>
+                      <a:endParaRPr lang="en-US" sz="1100" b="0" i="0" u="none" strike="noStrike">
+                        <a:solidFill>
+                          <a:srgbClr val="000000"/>
+                        </a:solidFill>
+                        <a:effectLst/>
+                        <a:latin typeface="Aptos Narrow" panose="020B0004020202020204" pitchFamily="34" charset="0"/>
+                      </a:endParaRPr>
+                    </a:p>
+                  </a:txBody>
+                  <a:tcPr marL="7620" marR="7620" marT="7620" marB="0" anchor="b"/>
+                </a:tc>
+                <a:extLst>
+                  <a:ext uri="{0D108BD9-81ED-4DB2-BD59-A6C34878D82A}">
+                    <a16:rowId xmlns:a16="http://schemas.microsoft.com/office/drawing/2014/main" val="2243961711"/>
+                  </a:ext>
+                </a:extLst>
+              </a:tr>
+              <a:tr h="236445">
+                <a:tc>
+                  <a:txBody>
+                    <a:bodyPr/>
+                    <a:lstStyle/>
+                    <a:p>
+                      <a:pPr algn="l" fontAlgn="b"/>
+                      <a:r>
+                        <a:rPr lang="en-US" sz="1100" u="none" strike="noStrike">
+                          <a:effectLst/>
+                        </a:rPr>
+                        <a:t>PCB Shield</a:t>
+                      </a:r>
+                      <a:endParaRPr lang="en-US" sz="1100" b="0" i="0" u="none" strike="noStrike">
+                        <a:solidFill>
+                          <a:srgbClr val="000000"/>
+                        </a:solidFill>
+                        <a:effectLst/>
+                        <a:latin typeface="Aptos Narrow" panose="020B0004020202020204" pitchFamily="34" charset="0"/>
+                      </a:endParaRPr>
+                    </a:p>
+                  </a:txBody>
+                  <a:tcPr marL="7620" marR="7620" marT="7620" marB="0" anchor="b"/>
+                </a:tc>
+                <a:tc>
+                  <a:txBody>
+                    <a:bodyPr/>
+                    <a:lstStyle/>
+                    <a:p>
+                      <a:pPr algn="r" fontAlgn="b"/>
+                      <a:r>
+                        <a:rPr lang="en-US" sz="1100" u="none" strike="noStrike">
+                          <a:effectLst/>
+                        </a:rPr>
+                        <a:t>20</a:t>
+                      </a:r>
+                      <a:endParaRPr lang="en-US" sz="1100" b="0" i="0" u="none" strike="noStrike">
+                        <a:solidFill>
+                          <a:srgbClr val="000000"/>
+                        </a:solidFill>
+                        <a:effectLst/>
+                        <a:latin typeface="Aptos Narrow" panose="020B0004020202020204" pitchFamily="34" charset="0"/>
+                      </a:endParaRPr>
+                    </a:p>
+                  </a:txBody>
+                  <a:tcPr marL="7620" marR="7620" marT="7620" marB="0" anchor="b"/>
+                </a:tc>
+                <a:extLst>
+                  <a:ext uri="{0D108BD9-81ED-4DB2-BD59-A6C34878D82A}">
+                    <a16:rowId xmlns:a16="http://schemas.microsoft.com/office/drawing/2014/main" val="670374045"/>
+                  </a:ext>
+                </a:extLst>
+              </a:tr>
+              <a:tr h="236445">
+                <a:tc>
+                  <a:txBody>
+                    <a:bodyPr/>
+                    <a:lstStyle/>
+                    <a:p>
+                      <a:pPr algn="l" fontAlgn="b"/>
+                      <a:r>
+                        <a:rPr lang="en-US" sz="1100" u="none" strike="noStrike">
+                          <a:effectLst/>
+                        </a:rPr>
+                        <a:t>Arduino Uno R4</a:t>
+                      </a:r>
+                      <a:endParaRPr lang="en-US" sz="1100" b="0" i="0" u="none" strike="noStrike">
+                        <a:solidFill>
+                          <a:srgbClr val="000000"/>
+                        </a:solidFill>
+                        <a:effectLst/>
+                        <a:latin typeface="Aptos Narrow" panose="020B0004020202020204" pitchFamily="34" charset="0"/>
+                      </a:endParaRPr>
+                    </a:p>
+                  </a:txBody>
+                  <a:tcPr marL="7620" marR="7620" marT="7620" marB="0" anchor="b"/>
+                </a:tc>
+                <a:tc>
+                  <a:txBody>
+                    <a:bodyPr/>
+                    <a:lstStyle/>
+                    <a:p>
+                      <a:pPr algn="r" fontAlgn="b"/>
+                      <a:r>
+                        <a:rPr lang="en-US" sz="1100" u="none" strike="noStrike">
+                          <a:effectLst/>
+                        </a:rPr>
+                        <a:t>25</a:t>
+                      </a:r>
+                      <a:endParaRPr lang="en-US" sz="1100" b="0" i="0" u="none" strike="noStrike">
+                        <a:solidFill>
+                          <a:srgbClr val="000000"/>
+                        </a:solidFill>
+                        <a:effectLst/>
+                        <a:latin typeface="Aptos Narrow" panose="020B0004020202020204" pitchFamily="34" charset="0"/>
+                      </a:endParaRPr>
+                    </a:p>
+                  </a:txBody>
+                  <a:tcPr marL="7620" marR="7620" marT="7620" marB="0" anchor="b"/>
+                </a:tc>
+                <a:extLst>
+                  <a:ext uri="{0D108BD9-81ED-4DB2-BD59-A6C34878D82A}">
+                    <a16:rowId xmlns:a16="http://schemas.microsoft.com/office/drawing/2014/main" val="3560846389"/>
+                  </a:ext>
+                </a:extLst>
+              </a:tr>
+              <a:tr h="236445">
+                <a:tc>
+                  <a:txBody>
+                    <a:bodyPr/>
+                    <a:lstStyle/>
+                    <a:p>
+                      <a:pPr algn="l" fontAlgn="b"/>
+                      <a:r>
+                        <a:rPr lang="en-US" sz="1100" u="none" strike="noStrike">
+                          <a:effectLst/>
+                        </a:rPr>
+                        <a:t>LEDs</a:t>
+                      </a:r>
+                      <a:endParaRPr lang="en-US" sz="1100" b="0" i="0" u="none" strike="noStrike">
+                        <a:solidFill>
+                          <a:srgbClr val="000000"/>
+                        </a:solidFill>
+                        <a:effectLst/>
+                        <a:latin typeface="Aptos Narrow" panose="020B0004020202020204" pitchFamily="34" charset="0"/>
+                      </a:endParaRPr>
+                    </a:p>
+                  </a:txBody>
+                  <a:tcPr marL="7620" marR="7620" marT="7620" marB="0" anchor="b"/>
+                </a:tc>
+                <a:tc>
+                  <a:txBody>
+                    <a:bodyPr/>
+                    <a:lstStyle/>
+                    <a:p>
+                      <a:pPr algn="r" fontAlgn="b"/>
+                      <a:r>
+                        <a:rPr lang="en-US" sz="1100" u="none" strike="noStrike">
+                          <a:effectLst/>
+                        </a:rPr>
+                        <a:t>1.2</a:t>
+                      </a:r>
+                      <a:endParaRPr lang="en-US" sz="1100" b="0" i="0" u="none" strike="noStrike">
+                        <a:solidFill>
+                          <a:srgbClr val="000000"/>
+                        </a:solidFill>
+                        <a:effectLst/>
+                        <a:latin typeface="Aptos Narrow" panose="020B0004020202020204" pitchFamily="34" charset="0"/>
+                      </a:endParaRPr>
+                    </a:p>
+                  </a:txBody>
+                  <a:tcPr marL="7620" marR="7620" marT="7620" marB="0" anchor="b"/>
+                </a:tc>
+                <a:extLst>
+                  <a:ext uri="{0D108BD9-81ED-4DB2-BD59-A6C34878D82A}">
+                    <a16:rowId xmlns:a16="http://schemas.microsoft.com/office/drawing/2014/main" val="3910215075"/>
+                  </a:ext>
+                </a:extLst>
+              </a:tr>
+              <a:tr h="236445">
+                <a:tc>
+                  <a:txBody>
+                    <a:bodyPr/>
+                    <a:lstStyle/>
+                    <a:p>
+                      <a:pPr algn="l" fontAlgn="b"/>
+                      <a:endParaRPr lang="en-US" sz="1100" b="0" i="0" u="none" strike="noStrike">
+                        <a:solidFill>
+                          <a:srgbClr val="000000"/>
+                        </a:solidFill>
+                        <a:effectLst/>
+                        <a:latin typeface="Aptos Narrow" panose="020B0004020202020204" pitchFamily="34" charset="0"/>
+                      </a:endParaRPr>
+                    </a:p>
+                  </a:txBody>
+                  <a:tcPr marL="7620" marR="7620" marT="7620" marB="0" anchor="b"/>
+                </a:tc>
+                <a:tc>
+                  <a:txBody>
+                    <a:bodyPr/>
+                    <a:lstStyle/>
+                    <a:p>
+                      <a:pPr algn="l" fontAlgn="b"/>
+                      <a:endParaRPr lang="en-US" sz="1100" b="0" i="0" u="none" strike="noStrike">
+                        <a:solidFill>
+                          <a:srgbClr val="000000"/>
+                        </a:solidFill>
+                        <a:effectLst/>
+                        <a:latin typeface="Aptos Narrow" panose="020B0004020202020204" pitchFamily="34" charset="0"/>
+                      </a:endParaRPr>
+                    </a:p>
+                  </a:txBody>
+                  <a:tcPr marL="7620" marR="7620" marT="7620" marB="0" anchor="b"/>
+                </a:tc>
+                <a:extLst>
+                  <a:ext uri="{0D108BD9-81ED-4DB2-BD59-A6C34878D82A}">
+                    <a16:rowId xmlns:a16="http://schemas.microsoft.com/office/drawing/2014/main" val="440928548"/>
+                  </a:ext>
+                </a:extLst>
+              </a:tr>
+              <a:tr h="236445">
+                <a:tc>
+                  <a:txBody>
+                    <a:bodyPr/>
+                    <a:lstStyle/>
+                    <a:p>
+                      <a:pPr algn="l" fontAlgn="b"/>
+                      <a:r>
+                        <a:rPr lang="en-US" sz="1100" u="none" strike="noStrike">
+                          <a:effectLst/>
+                        </a:rPr>
+                        <a:t>Pin Headers (16POS)</a:t>
+                      </a:r>
+                      <a:endParaRPr lang="en-US" sz="1100" b="0" i="0" u="none" strike="noStrike">
+                        <a:solidFill>
+                          <a:srgbClr val="000000"/>
+                        </a:solidFill>
+                        <a:effectLst/>
+                        <a:latin typeface="Aptos Narrow" panose="020B0004020202020204" pitchFamily="34" charset="0"/>
+                      </a:endParaRPr>
+                    </a:p>
+                  </a:txBody>
+                  <a:tcPr marL="7620" marR="7620" marT="7620" marB="0" anchor="b"/>
+                </a:tc>
+                <a:tc>
+                  <a:txBody>
+                    <a:bodyPr/>
+                    <a:lstStyle/>
+                    <a:p>
+                      <a:pPr algn="r" fontAlgn="b"/>
+                      <a:r>
+                        <a:rPr lang="en-US" sz="1100" u="none" strike="noStrike">
+                          <a:effectLst/>
+                        </a:rPr>
+                        <a:t>3</a:t>
+                      </a:r>
+                      <a:endParaRPr lang="en-US" sz="1100" b="0" i="0" u="none" strike="noStrike">
+                        <a:solidFill>
+                          <a:srgbClr val="000000"/>
+                        </a:solidFill>
+                        <a:effectLst/>
+                        <a:latin typeface="Aptos Narrow" panose="020B0004020202020204" pitchFamily="34" charset="0"/>
+                      </a:endParaRPr>
+                    </a:p>
+                  </a:txBody>
+                  <a:tcPr marL="7620" marR="7620" marT="7620" marB="0" anchor="b"/>
+                </a:tc>
+                <a:extLst>
+                  <a:ext uri="{0D108BD9-81ED-4DB2-BD59-A6C34878D82A}">
+                    <a16:rowId xmlns:a16="http://schemas.microsoft.com/office/drawing/2014/main" val="3366771522"/>
+                  </a:ext>
+                </a:extLst>
+              </a:tr>
+              <a:tr h="236445">
+                <a:tc>
+                  <a:txBody>
+                    <a:bodyPr/>
+                    <a:lstStyle/>
+                    <a:p>
+                      <a:pPr algn="l" fontAlgn="b"/>
+                      <a:endParaRPr lang="en-US" sz="1100" b="0" i="0" u="none" strike="noStrike">
+                        <a:solidFill>
+                          <a:srgbClr val="000000"/>
+                        </a:solidFill>
+                        <a:effectLst/>
+                        <a:latin typeface="Aptos Narrow" panose="020B0004020202020204" pitchFamily="34" charset="0"/>
+                      </a:endParaRPr>
+                    </a:p>
+                  </a:txBody>
+                  <a:tcPr marL="7620" marR="7620" marT="7620" marB="0" anchor="b"/>
+                </a:tc>
+                <a:tc>
+                  <a:txBody>
+                    <a:bodyPr/>
+                    <a:lstStyle/>
+                    <a:p>
+                      <a:pPr algn="r" fontAlgn="b"/>
+                      <a:r>
+                        <a:rPr lang="en-US" sz="1100" u="none" strike="noStrike" dirty="0">
+                          <a:effectLst/>
+                        </a:rPr>
+                        <a:t>53.9</a:t>
+                      </a:r>
+                      <a:endParaRPr lang="en-US" sz="1100" b="0" i="0" u="none" strike="noStrike" dirty="0">
+                        <a:solidFill>
+                          <a:srgbClr val="000000"/>
+                        </a:solidFill>
+                        <a:effectLst/>
+                        <a:latin typeface="Aptos Narrow" panose="020B0004020202020204" pitchFamily="34" charset="0"/>
+                      </a:endParaRPr>
+                    </a:p>
+                  </a:txBody>
+                  <a:tcPr marL="7620" marR="7620" marT="7620" marB="0" anchor="b"/>
+                </a:tc>
+                <a:extLst>
+                  <a:ext uri="{0D108BD9-81ED-4DB2-BD59-A6C34878D82A}">
+                    <a16:rowId xmlns:a16="http://schemas.microsoft.com/office/drawing/2014/main" val="1220539290"/>
+                  </a:ext>
+                </a:extLst>
+              </a:tr>
+            </a:tbl>
+          </a:graphicData>
+        </a:graphic>
+      </p:graphicFrame>
       <p:sp>
         <p:nvSpPr>
           <p:cNvPr id="6" name="TextBox 5">
             <a:extLst>
               <a:ext uri="{FF2B5EF4-FFF2-40B4-BE49-F238E27FC236}">
-                <a16:creationId xmlns:a16="http://schemas.microsoft.com/office/drawing/2014/main" id="{B7CEE011-5A90-2DDA-4386-80F8EB594138}"/>
+                <a16:creationId xmlns:a16="http://schemas.microsoft.com/office/drawing/2014/main" id="{8BF91A4B-41A1-965D-3B5F-8396DB1DE3CD}"/>
               </a:ext>
             </a:extLst>
           </p:cNvPr>
@@ -5487,8 +7193,8 @@
         </p:nvSpPr>
         <p:spPr>
           <a:xfrm>
-            <a:off x="6518063" y="4612680"/>
-            <a:ext cx="3627120" cy="369332"/>
+            <a:off x="1443567" y="1691323"/>
+            <a:ext cx="1845377" cy="369332"/>
           </a:xfrm>
           <a:prstGeom prst="rect">
             <a:avLst/>
@@ -5496,14 +7202,49 @@
           <a:noFill/>
         </p:spPr>
         <p:txBody>
-          <a:bodyPr wrap="square" rtlCol="0">
+          <a:bodyPr wrap="none" rtlCol="0">
             <a:spAutoFit/>
           </a:bodyPr>
           <a:lstStyle/>
           <a:p>
             <a:r>
               <a:rPr lang="en-US" dirty="0"/>
-              <a:t>P = ~440mW</a:t>
+              <a:t>Original Design</a:t>
+            </a:r>
+          </a:p>
+        </p:txBody>
+      </p:sp>
+      <p:sp>
+        <p:nvSpPr>
+          <p:cNvPr id="7" name="TextBox 6">
+            <a:extLst>
+              <a:ext uri="{FF2B5EF4-FFF2-40B4-BE49-F238E27FC236}">
+                <a16:creationId xmlns:a16="http://schemas.microsoft.com/office/drawing/2014/main" id="{C7BCF706-0DBA-E0CB-D765-9147C937C25B}"/>
+              </a:ext>
+            </a:extLst>
+          </p:cNvPr>
+          <p:cNvSpPr txBox="1"/>
+          <p:nvPr/>
+        </p:nvSpPr>
+        <p:spPr>
+          <a:xfrm>
+            <a:off x="4983558" y="1687712"/>
+            <a:ext cx="1306768" cy="369332"/>
+          </a:xfrm>
+          <a:prstGeom prst="rect">
+            <a:avLst/>
+          </a:prstGeom>
+          <a:noFill/>
+        </p:spPr>
+        <p:txBody>
+          <a:bodyPr wrap="none" rtlCol="0">
+            <a:spAutoFit/>
+          </a:bodyPr>
+          <a:lstStyle/>
+          <a:p>
+            <a:r>
+              <a:rPr lang="en-US" dirty="0"/>
+              <a:t>My Design</a:t>
             </a:r>
           </a:p>
         </p:txBody>
@@ -5511,7 +7252,7 @@
     </p:spTree>
     <p:extLst>
       <p:ext uri="{BB962C8B-B14F-4D97-AF65-F5344CB8AC3E}">
-        <p14:creationId xmlns:p14="http://schemas.microsoft.com/office/powerpoint/2010/main" val="610923842"/>
+        <p14:creationId xmlns:p14="http://schemas.microsoft.com/office/powerpoint/2010/main" val="3060422620"/>
       </p:ext>
     </p:extLst>
   </p:cSld>
@@ -5543,7 +7284,7 @@
           <p:cNvPr id="2" name="Title 1">
             <a:extLst>
               <a:ext uri="{FF2B5EF4-FFF2-40B4-BE49-F238E27FC236}">
-                <a16:creationId xmlns:a16="http://schemas.microsoft.com/office/drawing/2014/main" id="{DC42C40A-968D-A556-1FCD-8A183061B5F7}"/>
+                <a16:creationId xmlns:a16="http://schemas.microsoft.com/office/drawing/2014/main" id="{F4E79E37-C20A-0672-A7FD-6A66D7129DE3}"/>
               </a:ext>
             </a:extLst>
           </p:cNvPr>
@@ -5556,63 +7297,1819 @@
         </p:nvSpPr>
         <p:spPr/>
         <p:txBody>
-          <a:bodyPr>
-            <a:normAutofit/>
-          </a:bodyPr>
+          <a:bodyPr/>
           <a:lstStyle/>
           <a:p>
             <a:r>
               <a:rPr lang="en-US" dirty="0"/>
-              <a:t>Alternative Design</a:t>
+              <a:t>Max Power Consumption</a:t>
             </a:r>
           </a:p>
         </p:txBody>
       </p:sp>
       <p:sp>
         <p:nvSpPr>
-          <p:cNvPr id="3" name="Content Placeholder 2">
-            <a:extLst>
-              <a:ext uri="{FF2B5EF4-FFF2-40B4-BE49-F238E27FC236}">
-                <a16:creationId xmlns:a16="http://schemas.microsoft.com/office/drawing/2014/main" id="{43A5D62B-0982-3CD7-B107-20CD1F159E8A}"/>
-              </a:ext>
-            </a:extLst>
-          </p:cNvPr>
-          <p:cNvSpPr>
-            <a:spLocks noGrp="1"/>
-          </p:cNvSpPr>
+          <p:cNvPr id="6" name="TextBox 5">
+            <a:extLst>
+              <a:ext uri="{FF2B5EF4-FFF2-40B4-BE49-F238E27FC236}">
+                <a16:creationId xmlns:a16="http://schemas.microsoft.com/office/drawing/2014/main" id="{B7CEE011-5A90-2DDA-4386-80F8EB594138}"/>
+              </a:ext>
+            </a:extLst>
+          </p:cNvPr>
+          <p:cNvSpPr txBox="1"/>
+          <p:nvPr/>
+        </p:nvSpPr>
+        <p:spPr>
+          <a:xfrm>
+            <a:off x="7725409" y="6122908"/>
+            <a:ext cx="3627120" cy="369332"/>
+          </a:xfrm>
+          <a:prstGeom prst="rect">
+            <a:avLst/>
+          </a:prstGeom>
+          <a:noFill/>
+        </p:spPr>
+        <p:txBody>
+          <a:bodyPr wrap="square" rtlCol="0">
+            <a:spAutoFit/>
+          </a:bodyPr>
+          <a:lstStyle/>
+          <a:p>
+            <a:r>
+              <a:rPr lang="en-US" dirty="0"/>
+              <a:t>P = ~440mW</a:t>
+            </a:r>
+          </a:p>
+        </p:txBody>
+      </p:sp>
+      <p:graphicFrame>
+        <p:nvGraphicFramePr>
+          <p:cNvPr id="3" name="Table 2">
+            <a:extLst>
+              <a:ext uri="{FF2B5EF4-FFF2-40B4-BE49-F238E27FC236}">
+                <a16:creationId xmlns:a16="http://schemas.microsoft.com/office/drawing/2014/main" id="{1CCB5765-AA2C-701C-399F-2049CDD92301}"/>
+              </a:ext>
+            </a:extLst>
+          </p:cNvPr>
+          <p:cNvGraphicFramePr>
+            <a:graphicFrameLocks noGrp="1"/>
+          </p:cNvGraphicFramePr>
+          <p:nvPr>
+            <p:extLst>
+              <p:ext uri="{D42A27DB-BD31-4B8C-83A1-F6EECF244321}">
+                <p14:modId xmlns:p14="http://schemas.microsoft.com/office/powerpoint/2010/main" val="1144842822"/>
+              </p:ext>
+            </p:extLst>
+          </p:nvPr>
+        </p:nvGraphicFramePr>
+        <p:xfrm>
+          <a:off x="1178560" y="2519680"/>
+          <a:ext cx="4145280" cy="3423918"/>
+        </p:xfrm>
+        <a:graphic>
+          <a:graphicData uri="http://schemas.openxmlformats.org/drawingml/2006/table">
+            <a:tbl>
+              <a:tblPr>
+                <a:tableStyleId>{5C22544A-7EE6-4342-B048-85BDC9FD1C3A}</a:tableStyleId>
+              </a:tblPr>
+              <a:tblGrid>
+                <a:gridCol w="1381760">
+                  <a:extLst>
+                    <a:ext uri="{9D8B030D-6E8A-4147-A177-3AD203B41FA5}">
+                      <a16:colId xmlns:a16="http://schemas.microsoft.com/office/drawing/2014/main" val="2384436018"/>
+                    </a:ext>
+                  </a:extLst>
+                </a:gridCol>
+                <a:gridCol w="1381760">
+                  <a:extLst>
+                    <a:ext uri="{9D8B030D-6E8A-4147-A177-3AD203B41FA5}">
+                      <a16:colId xmlns:a16="http://schemas.microsoft.com/office/drawing/2014/main" val="2368634132"/>
+                    </a:ext>
+                  </a:extLst>
+                </a:gridCol>
+                <a:gridCol w="1381760">
+                  <a:extLst>
+                    <a:ext uri="{9D8B030D-6E8A-4147-A177-3AD203B41FA5}">
+                      <a16:colId xmlns:a16="http://schemas.microsoft.com/office/drawing/2014/main" val="1561907869"/>
+                    </a:ext>
+                  </a:extLst>
+                </a:gridCol>
+              </a:tblGrid>
+              <a:tr h="249012">
+                <a:tc>
+                  <a:txBody>
+                    <a:bodyPr/>
+                    <a:lstStyle/>
+                    <a:p>
+                      <a:pPr algn="l" fontAlgn="b"/>
+                      <a:r>
+                        <a:rPr lang="en-US" sz="1100" u="none" strike="noStrike">
+                          <a:effectLst/>
+                        </a:rPr>
+                        <a:t>V</a:t>
+                      </a:r>
+                      <a:endParaRPr lang="en-US" sz="1100" b="0" i="0" u="none" strike="noStrike">
+                        <a:solidFill>
+                          <a:srgbClr val="000000"/>
+                        </a:solidFill>
+                        <a:effectLst/>
+                        <a:latin typeface="Aptos Narrow" panose="020B0004020202020204" pitchFamily="34" charset="0"/>
+                      </a:endParaRPr>
+                    </a:p>
+                  </a:txBody>
+                  <a:tcPr marL="7620" marR="7620" marT="7620" marB="0" anchor="b"/>
+                </a:tc>
+                <a:tc>
+                  <a:txBody>
+                    <a:bodyPr/>
+                    <a:lstStyle/>
+                    <a:p>
+                      <a:pPr algn="l" fontAlgn="b"/>
+                      <a:r>
+                        <a:rPr lang="en-US" sz="1100" u="none" strike="noStrike" dirty="0">
+                          <a:effectLst/>
+                        </a:rPr>
+                        <a:t>I</a:t>
+                      </a:r>
+                      <a:endParaRPr lang="en-US" sz="1100" b="0" i="0" u="none" strike="noStrike" dirty="0">
+                        <a:solidFill>
+                          <a:srgbClr val="000000"/>
+                        </a:solidFill>
+                        <a:effectLst/>
+                        <a:latin typeface="Aptos Narrow" panose="020B0004020202020204" pitchFamily="34" charset="0"/>
+                      </a:endParaRPr>
+                    </a:p>
+                  </a:txBody>
+                  <a:tcPr marL="7620" marR="7620" marT="7620" marB="0" anchor="b"/>
+                </a:tc>
+                <a:tc>
+                  <a:txBody>
+                    <a:bodyPr/>
+                    <a:lstStyle/>
+                    <a:p>
+                      <a:pPr algn="l" fontAlgn="b"/>
+                      <a:r>
+                        <a:rPr lang="en-US" sz="1100" u="none" strike="noStrike">
+                          <a:effectLst/>
+                        </a:rPr>
+                        <a:t>P</a:t>
+                      </a:r>
+                      <a:endParaRPr lang="en-US" sz="1100" b="0" i="0" u="none" strike="noStrike">
+                        <a:solidFill>
+                          <a:srgbClr val="000000"/>
+                        </a:solidFill>
+                        <a:effectLst/>
+                        <a:latin typeface="Aptos Narrow" panose="020B0004020202020204" pitchFamily="34" charset="0"/>
+                      </a:endParaRPr>
+                    </a:p>
+                  </a:txBody>
+                  <a:tcPr marL="7620" marR="7620" marT="7620" marB="0" anchor="b"/>
+                </a:tc>
+                <a:extLst>
+                  <a:ext uri="{0D108BD9-81ED-4DB2-BD59-A6C34878D82A}">
+                    <a16:rowId xmlns:a16="http://schemas.microsoft.com/office/drawing/2014/main" val="653407986"/>
+                  </a:ext>
+                </a:extLst>
+              </a:tr>
+              <a:tr h="249012">
+                <a:tc>
+                  <a:txBody>
+                    <a:bodyPr/>
+                    <a:lstStyle/>
+                    <a:p>
+                      <a:pPr algn="r" fontAlgn="b"/>
+                      <a:r>
+                        <a:rPr lang="en-US" sz="1100" u="none" strike="noStrike">
+                          <a:effectLst/>
+                        </a:rPr>
+                        <a:t>3.3</a:t>
+                      </a:r>
+                      <a:endParaRPr lang="en-US" sz="1100" b="0" i="0" u="none" strike="noStrike">
+                        <a:solidFill>
+                          <a:srgbClr val="000000"/>
+                        </a:solidFill>
+                        <a:effectLst/>
+                        <a:latin typeface="Aptos Narrow" panose="020B0004020202020204" pitchFamily="34" charset="0"/>
+                      </a:endParaRPr>
+                    </a:p>
+                  </a:txBody>
+                  <a:tcPr marL="7620" marR="7620" marT="7620" marB="0" anchor="b"/>
+                </a:tc>
+                <a:tc>
+                  <a:txBody>
+                    <a:bodyPr/>
+                    <a:lstStyle/>
+                    <a:p>
+                      <a:pPr algn="r" fontAlgn="b"/>
+                      <a:r>
+                        <a:rPr lang="en-US" sz="1100" u="none" strike="noStrike">
+                          <a:effectLst/>
+                        </a:rPr>
+                        <a:t>2.00E-02</a:t>
+                      </a:r>
+                      <a:endParaRPr lang="en-US" sz="1100" b="0" i="0" u="none" strike="noStrike">
+                        <a:solidFill>
+                          <a:srgbClr val="000000"/>
+                        </a:solidFill>
+                        <a:effectLst/>
+                        <a:latin typeface="Aptos Narrow" panose="020B0004020202020204" pitchFamily="34" charset="0"/>
+                      </a:endParaRPr>
+                    </a:p>
+                  </a:txBody>
+                  <a:tcPr marL="7620" marR="7620" marT="7620" marB="0" anchor="b"/>
+                </a:tc>
+                <a:tc>
+                  <a:txBody>
+                    <a:bodyPr/>
+                    <a:lstStyle/>
+                    <a:p>
+                      <a:pPr algn="r" fontAlgn="b"/>
+                      <a:r>
+                        <a:rPr lang="en-US" sz="1100" u="none" strike="noStrike">
+                          <a:effectLst/>
+                        </a:rPr>
+                        <a:t>6.60E-02</a:t>
+                      </a:r>
+                      <a:endParaRPr lang="en-US" sz="1100" b="0" i="0" u="none" strike="noStrike">
+                        <a:solidFill>
+                          <a:srgbClr val="000000"/>
+                        </a:solidFill>
+                        <a:effectLst/>
+                        <a:latin typeface="Aptos Narrow" panose="020B0004020202020204" pitchFamily="34" charset="0"/>
+                      </a:endParaRPr>
+                    </a:p>
+                  </a:txBody>
+                  <a:tcPr marL="7620" marR="7620" marT="7620" marB="0" anchor="b"/>
+                </a:tc>
+                <a:extLst>
+                  <a:ext uri="{0D108BD9-81ED-4DB2-BD59-A6C34878D82A}">
+                    <a16:rowId xmlns:a16="http://schemas.microsoft.com/office/drawing/2014/main" val="1897192814"/>
+                  </a:ext>
+                </a:extLst>
+              </a:tr>
+              <a:tr h="249012">
+                <a:tc>
+                  <a:txBody>
+                    <a:bodyPr/>
+                    <a:lstStyle/>
+                    <a:p>
+                      <a:pPr algn="r" fontAlgn="b"/>
+                      <a:r>
+                        <a:rPr lang="en-US" sz="1100" u="none" strike="noStrike">
+                          <a:effectLst/>
+                        </a:rPr>
+                        <a:t>3.3</a:t>
+                      </a:r>
+                      <a:endParaRPr lang="en-US" sz="1100" b="0" i="0" u="none" strike="noStrike">
+                        <a:solidFill>
+                          <a:srgbClr val="000000"/>
+                        </a:solidFill>
+                        <a:effectLst/>
+                        <a:latin typeface="Aptos Narrow" panose="020B0004020202020204" pitchFamily="34" charset="0"/>
+                      </a:endParaRPr>
+                    </a:p>
+                  </a:txBody>
+                  <a:tcPr marL="7620" marR="7620" marT="7620" marB="0" anchor="b"/>
+                </a:tc>
+                <a:tc>
+                  <a:txBody>
+                    <a:bodyPr/>
+                    <a:lstStyle/>
+                    <a:p>
+                      <a:pPr algn="r" fontAlgn="b"/>
+                      <a:r>
+                        <a:rPr lang="en-US" sz="1100" u="none" strike="noStrike">
+                          <a:effectLst/>
+                        </a:rPr>
+                        <a:t>0.005</a:t>
+                      </a:r>
+                      <a:endParaRPr lang="en-US" sz="1100" b="0" i="0" u="none" strike="noStrike">
+                        <a:solidFill>
+                          <a:srgbClr val="000000"/>
+                        </a:solidFill>
+                        <a:effectLst/>
+                        <a:latin typeface="Aptos Narrow" panose="020B0004020202020204" pitchFamily="34" charset="0"/>
+                      </a:endParaRPr>
+                    </a:p>
+                  </a:txBody>
+                  <a:tcPr marL="7620" marR="7620" marT="7620" marB="0" anchor="b"/>
+                </a:tc>
+                <a:tc>
+                  <a:txBody>
+                    <a:bodyPr/>
+                    <a:lstStyle/>
+                    <a:p>
+                      <a:pPr algn="r" fontAlgn="b"/>
+                      <a:r>
+                        <a:rPr lang="en-US" sz="1100" u="none" strike="noStrike">
+                          <a:effectLst/>
+                        </a:rPr>
+                        <a:t>1.65E-02</a:t>
+                      </a:r>
+                      <a:endParaRPr lang="en-US" sz="1100" b="0" i="0" u="none" strike="noStrike">
+                        <a:solidFill>
+                          <a:srgbClr val="000000"/>
+                        </a:solidFill>
+                        <a:effectLst/>
+                        <a:latin typeface="Aptos Narrow" panose="020B0004020202020204" pitchFamily="34" charset="0"/>
+                      </a:endParaRPr>
+                    </a:p>
+                  </a:txBody>
+                  <a:tcPr marL="7620" marR="7620" marT="7620" marB="0" anchor="b"/>
+                </a:tc>
+                <a:extLst>
+                  <a:ext uri="{0D108BD9-81ED-4DB2-BD59-A6C34878D82A}">
+                    <a16:rowId xmlns:a16="http://schemas.microsoft.com/office/drawing/2014/main" val="2431892806"/>
+                  </a:ext>
+                </a:extLst>
+              </a:tr>
+              <a:tr h="249012">
+                <a:tc>
+                  <a:txBody>
+                    <a:bodyPr/>
+                    <a:lstStyle/>
+                    <a:p>
+                      <a:pPr algn="r" fontAlgn="b"/>
+                      <a:r>
+                        <a:rPr lang="en-US" sz="1100" u="none" strike="noStrike">
+                          <a:effectLst/>
+                        </a:rPr>
+                        <a:t>3.3</a:t>
+                      </a:r>
+                      <a:endParaRPr lang="en-US" sz="1100" b="0" i="0" u="none" strike="noStrike">
+                        <a:solidFill>
+                          <a:srgbClr val="000000"/>
+                        </a:solidFill>
+                        <a:effectLst/>
+                        <a:latin typeface="Aptos Narrow" panose="020B0004020202020204" pitchFamily="34" charset="0"/>
+                      </a:endParaRPr>
+                    </a:p>
+                  </a:txBody>
+                  <a:tcPr marL="7620" marR="7620" marT="7620" marB="0" anchor="b"/>
+                </a:tc>
+                <a:tc>
+                  <a:txBody>
+                    <a:bodyPr/>
+                    <a:lstStyle/>
+                    <a:p>
+                      <a:pPr algn="r" fontAlgn="b"/>
+                      <a:r>
+                        <a:rPr lang="en-US" sz="1100" u="none" strike="noStrike">
+                          <a:effectLst/>
+                        </a:rPr>
+                        <a:t>0.001</a:t>
+                      </a:r>
+                      <a:endParaRPr lang="en-US" sz="1100" b="0" i="0" u="none" strike="noStrike">
+                        <a:solidFill>
+                          <a:srgbClr val="000000"/>
+                        </a:solidFill>
+                        <a:effectLst/>
+                        <a:latin typeface="Aptos Narrow" panose="020B0004020202020204" pitchFamily="34" charset="0"/>
+                      </a:endParaRPr>
+                    </a:p>
+                  </a:txBody>
+                  <a:tcPr marL="7620" marR="7620" marT="7620" marB="0" anchor="b"/>
+                </a:tc>
+                <a:tc>
+                  <a:txBody>
+                    <a:bodyPr/>
+                    <a:lstStyle/>
+                    <a:p>
+                      <a:pPr algn="r" fontAlgn="b"/>
+                      <a:r>
+                        <a:rPr lang="en-US" sz="1100" u="none" strike="noStrike">
+                          <a:effectLst/>
+                        </a:rPr>
+                        <a:t>3.30E-03</a:t>
+                      </a:r>
+                      <a:endParaRPr lang="en-US" sz="1100" b="0" i="0" u="none" strike="noStrike">
+                        <a:solidFill>
+                          <a:srgbClr val="000000"/>
+                        </a:solidFill>
+                        <a:effectLst/>
+                        <a:latin typeface="Aptos Narrow" panose="020B0004020202020204" pitchFamily="34" charset="0"/>
+                      </a:endParaRPr>
+                    </a:p>
+                  </a:txBody>
+                  <a:tcPr marL="7620" marR="7620" marT="7620" marB="0" anchor="b"/>
+                </a:tc>
+                <a:extLst>
+                  <a:ext uri="{0D108BD9-81ED-4DB2-BD59-A6C34878D82A}">
+                    <a16:rowId xmlns:a16="http://schemas.microsoft.com/office/drawing/2014/main" val="1665307391"/>
+                  </a:ext>
+                </a:extLst>
+              </a:tr>
+              <a:tr h="249012">
+                <a:tc>
+                  <a:txBody>
+                    <a:bodyPr/>
+                    <a:lstStyle/>
+                    <a:p>
+                      <a:pPr algn="r" fontAlgn="b"/>
+                      <a:r>
+                        <a:rPr lang="en-US" sz="1100" u="none" strike="noStrike">
+                          <a:effectLst/>
+                        </a:rPr>
+                        <a:t>5</a:t>
+                      </a:r>
+                      <a:endParaRPr lang="en-US" sz="1100" b="0" i="0" u="none" strike="noStrike">
+                        <a:solidFill>
+                          <a:srgbClr val="000000"/>
+                        </a:solidFill>
+                        <a:effectLst/>
+                        <a:latin typeface="Aptos Narrow" panose="020B0004020202020204" pitchFamily="34" charset="0"/>
+                      </a:endParaRPr>
+                    </a:p>
+                  </a:txBody>
+                  <a:tcPr marL="7620" marR="7620" marT="7620" marB="0" anchor="b"/>
+                </a:tc>
+                <a:tc>
+                  <a:txBody>
+                    <a:bodyPr/>
+                    <a:lstStyle/>
+                    <a:p>
+                      <a:pPr algn="r" fontAlgn="b"/>
+                      <a:r>
+                        <a:rPr lang="en-US" sz="1100" u="none" strike="noStrike">
+                          <a:effectLst/>
+                        </a:rPr>
+                        <a:t>0.01</a:t>
+                      </a:r>
+                      <a:endParaRPr lang="en-US" sz="1100" b="0" i="0" u="none" strike="noStrike">
+                        <a:solidFill>
+                          <a:srgbClr val="000000"/>
+                        </a:solidFill>
+                        <a:effectLst/>
+                        <a:latin typeface="Aptos Narrow" panose="020B0004020202020204" pitchFamily="34" charset="0"/>
+                      </a:endParaRPr>
+                    </a:p>
+                  </a:txBody>
+                  <a:tcPr marL="7620" marR="7620" marT="7620" marB="0" anchor="b"/>
+                </a:tc>
+                <a:tc>
+                  <a:txBody>
+                    <a:bodyPr/>
+                    <a:lstStyle/>
+                    <a:p>
+                      <a:pPr algn="r" fontAlgn="b"/>
+                      <a:r>
+                        <a:rPr lang="en-US" sz="1100" u="none" strike="noStrike">
+                          <a:effectLst/>
+                        </a:rPr>
+                        <a:t>5.00E-02</a:t>
+                      </a:r>
+                      <a:endParaRPr lang="en-US" sz="1100" b="0" i="0" u="none" strike="noStrike">
+                        <a:solidFill>
+                          <a:srgbClr val="000000"/>
+                        </a:solidFill>
+                        <a:effectLst/>
+                        <a:latin typeface="Aptos Narrow" panose="020B0004020202020204" pitchFamily="34" charset="0"/>
+                      </a:endParaRPr>
+                    </a:p>
+                  </a:txBody>
+                  <a:tcPr marL="7620" marR="7620" marT="7620" marB="0" anchor="b"/>
+                </a:tc>
+                <a:extLst>
+                  <a:ext uri="{0D108BD9-81ED-4DB2-BD59-A6C34878D82A}">
+                    <a16:rowId xmlns:a16="http://schemas.microsoft.com/office/drawing/2014/main" val="3590214664"/>
+                  </a:ext>
+                </a:extLst>
+              </a:tr>
+              <a:tr h="249012">
+                <a:tc>
+                  <a:txBody>
+                    <a:bodyPr/>
+                    <a:lstStyle/>
+                    <a:p>
+                      <a:pPr algn="r" fontAlgn="b"/>
+                      <a:r>
+                        <a:rPr lang="en-US" sz="1100" u="none" strike="noStrike">
+                          <a:effectLst/>
+                        </a:rPr>
+                        <a:t>5</a:t>
+                      </a:r>
+                      <a:endParaRPr lang="en-US" sz="1100" b="0" i="0" u="none" strike="noStrike">
+                        <a:solidFill>
+                          <a:srgbClr val="000000"/>
+                        </a:solidFill>
+                        <a:effectLst/>
+                        <a:latin typeface="Aptos Narrow" panose="020B0004020202020204" pitchFamily="34" charset="0"/>
+                      </a:endParaRPr>
+                    </a:p>
+                  </a:txBody>
+                  <a:tcPr marL="7620" marR="7620" marT="7620" marB="0" anchor="b"/>
+                </a:tc>
+                <a:tc>
+                  <a:txBody>
+                    <a:bodyPr/>
+                    <a:lstStyle/>
+                    <a:p>
+                      <a:pPr algn="r" fontAlgn="b"/>
+                      <a:r>
+                        <a:rPr lang="en-US" sz="1100" u="none" strike="noStrike">
+                          <a:effectLst/>
+                        </a:rPr>
+                        <a:t>0.005</a:t>
+                      </a:r>
+                      <a:endParaRPr lang="en-US" sz="1100" b="0" i="0" u="none" strike="noStrike">
+                        <a:solidFill>
+                          <a:srgbClr val="000000"/>
+                        </a:solidFill>
+                        <a:effectLst/>
+                        <a:latin typeface="Aptos Narrow" panose="020B0004020202020204" pitchFamily="34" charset="0"/>
+                      </a:endParaRPr>
+                    </a:p>
+                  </a:txBody>
+                  <a:tcPr marL="7620" marR="7620" marT="7620" marB="0" anchor="b"/>
+                </a:tc>
+                <a:tc>
+                  <a:txBody>
+                    <a:bodyPr/>
+                    <a:lstStyle/>
+                    <a:p>
+                      <a:pPr algn="r" fontAlgn="b"/>
+                      <a:r>
+                        <a:rPr lang="en-US" sz="1100" u="none" strike="noStrike">
+                          <a:effectLst/>
+                        </a:rPr>
+                        <a:t>2.50E-02</a:t>
+                      </a:r>
+                      <a:endParaRPr lang="en-US" sz="1100" b="0" i="0" u="none" strike="noStrike">
+                        <a:solidFill>
+                          <a:srgbClr val="000000"/>
+                        </a:solidFill>
+                        <a:effectLst/>
+                        <a:latin typeface="Aptos Narrow" panose="020B0004020202020204" pitchFamily="34" charset="0"/>
+                      </a:endParaRPr>
+                    </a:p>
+                  </a:txBody>
+                  <a:tcPr marL="7620" marR="7620" marT="7620" marB="0" anchor="b"/>
+                </a:tc>
+                <a:extLst>
+                  <a:ext uri="{0D108BD9-81ED-4DB2-BD59-A6C34878D82A}">
+                    <a16:rowId xmlns:a16="http://schemas.microsoft.com/office/drawing/2014/main" val="3951203459"/>
+                  </a:ext>
+                </a:extLst>
+              </a:tr>
+              <a:tr h="466899">
+                <a:tc>
+                  <a:txBody>
+                    <a:bodyPr/>
+                    <a:lstStyle/>
+                    <a:p>
+                      <a:pPr algn="l" fontAlgn="b"/>
+                      <a:endParaRPr lang="en-US" sz="1100" b="0" i="0" u="none" strike="noStrike">
+                        <a:solidFill>
+                          <a:srgbClr val="000000"/>
+                        </a:solidFill>
+                        <a:effectLst/>
+                        <a:latin typeface="Aptos Narrow" panose="020B0004020202020204" pitchFamily="34" charset="0"/>
+                      </a:endParaRPr>
+                    </a:p>
+                  </a:txBody>
+                  <a:tcPr marL="7620" marR="7620" marT="7620" marB="0" anchor="b"/>
+                </a:tc>
+                <a:tc>
+                  <a:txBody>
+                    <a:bodyPr/>
+                    <a:lstStyle/>
+                    <a:p>
+                      <a:pPr algn="l" fontAlgn="b"/>
+                      <a:endParaRPr lang="en-US" sz="1100" b="0" i="0" u="none" strike="noStrike" dirty="0">
+                        <a:solidFill>
+                          <a:srgbClr val="000000"/>
+                        </a:solidFill>
+                        <a:effectLst/>
+                        <a:latin typeface="Aptos Narrow" panose="020B0004020202020204" pitchFamily="34" charset="0"/>
+                      </a:endParaRPr>
+                    </a:p>
+                  </a:txBody>
+                  <a:tcPr marL="7620" marR="7620" marT="7620" marB="0" anchor="b"/>
+                </a:tc>
+                <a:tc>
+                  <a:txBody>
+                    <a:bodyPr/>
+                    <a:lstStyle/>
+                    <a:p>
+                      <a:pPr algn="r" fontAlgn="b"/>
+                      <a:r>
+                        <a:rPr lang="en-US" sz="1100" u="none" strike="noStrike">
+                          <a:effectLst/>
+                        </a:rPr>
+                        <a:t>0.00E+00</a:t>
+                      </a:r>
+                      <a:endParaRPr lang="en-US" sz="1100" b="0" i="0" u="none" strike="noStrike">
+                        <a:solidFill>
+                          <a:srgbClr val="000000"/>
+                        </a:solidFill>
+                        <a:effectLst/>
+                        <a:latin typeface="Aptos Narrow" panose="020B0004020202020204" pitchFamily="34" charset="0"/>
+                      </a:endParaRPr>
+                    </a:p>
+                  </a:txBody>
+                  <a:tcPr marL="7620" marR="7620" marT="7620" marB="0" anchor="b"/>
+                </a:tc>
+                <a:extLst>
+                  <a:ext uri="{0D108BD9-81ED-4DB2-BD59-A6C34878D82A}">
+                    <a16:rowId xmlns:a16="http://schemas.microsoft.com/office/drawing/2014/main" val="478358143"/>
+                  </a:ext>
+                </a:extLst>
+              </a:tr>
+              <a:tr h="466899">
+                <a:tc>
+                  <a:txBody>
+                    <a:bodyPr/>
+                    <a:lstStyle/>
+                    <a:p>
+                      <a:pPr algn="l" fontAlgn="b"/>
+                      <a:endParaRPr lang="en-US" sz="1100" b="0" i="0" u="none" strike="noStrike">
+                        <a:solidFill>
+                          <a:srgbClr val="000000"/>
+                        </a:solidFill>
+                        <a:effectLst/>
+                        <a:latin typeface="Aptos Narrow" panose="020B0004020202020204" pitchFamily="34" charset="0"/>
+                      </a:endParaRPr>
+                    </a:p>
+                  </a:txBody>
+                  <a:tcPr marL="7620" marR="7620" marT="7620" marB="0" anchor="b"/>
+                </a:tc>
+                <a:tc>
+                  <a:txBody>
+                    <a:bodyPr/>
+                    <a:lstStyle/>
+                    <a:p>
+                      <a:pPr algn="l" fontAlgn="b"/>
+                      <a:endParaRPr lang="en-US" sz="1100" b="0" i="0" u="none" strike="noStrike" dirty="0">
+                        <a:solidFill>
+                          <a:srgbClr val="000000"/>
+                        </a:solidFill>
+                        <a:effectLst/>
+                        <a:latin typeface="Aptos Narrow" panose="020B0004020202020204" pitchFamily="34" charset="0"/>
+                      </a:endParaRPr>
+                    </a:p>
+                  </a:txBody>
+                  <a:tcPr marL="7620" marR="7620" marT="7620" marB="0" anchor="b"/>
+                </a:tc>
+                <a:tc>
+                  <a:txBody>
+                    <a:bodyPr/>
+                    <a:lstStyle/>
+                    <a:p>
+                      <a:pPr algn="r" fontAlgn="b"/>
+                      <a:r>
+                        <a:rPr lang="en-US" sz="1100" u="none" strike="noStrike">
+                          <a:effectLst/>
+                        </a:rPr>
+                        <a:t>0.00E+00</a:t>
+                      </a:r>
+                      <a:endParaRPr lang="en-US" sz="1100" b="0" i="0" u="none" strike="noStrike">
+                        <a:solidFill>
+                          <a:srgbClr val="000000"/>
+                        </a:solidFill>
+                        <a:effectLst/>
+                        <a:latin typeface="Aptos Narrow" panose="020B0004020202020204" pitchFamily="34" charset="0"/>
+                      </a:endParaRPr>
+                    </a:p>
+                  </a:txBody>
+                  <a:tcPr marL="7620" marR="7620" marT="7620" marB="0" anchor="b"/>
+                </a:tc>
+                <a:extLst>
+                  <a:ext uri="{0D108BD9-81ED-4DB2-BD59-A6C34878D82A}">
+                    <a16:rowId xmlns:a16="http://schemas.microsoft.com/office/drawing/2014/main" val="3263114966"/>
+                  </a:ext>
+                </a:extLst>
+              </a:tr>
+              <a:tr h="249012">
+                <a:tc>
+                  <a:txBody>
+                    <a:bodyPr/>
+                    <a:lstStyle/>
+                    <a:p>
+                      <a:pPr algn="r" fontAlgn="b"/>
+                      <a:r>
+                        <a:rPr lang="en-US" sz="1100" u="none" strike="noStrike">
+                          <a:effectLst/>
+                        </a:rPr>
+                        <a:t>5</a:t>
+                      </a:r>
+                      <a:endParaRPr lang="en-US" sz="1100" b="0" i="0" u="none" strike="noStrike">
+                        <a:solidFill>
+                          <a:srgbClr val="000000"/>
+                        </a:solidFill>
+                        <a:effectLst/>
+                        <a:latin typeface="Aptos Narrow" panose="020B0004020202020204" pitchFamily="34" charset="0"/>
+                      </a:endParaRPr>
+                    </a:p>
+                  </a:txBody>
+                  <a:tcPr marL="7620" marR="7620" marT="7620" marB="0" anchor="b"/>
+                </a:tc>
+                <a:tc>
+                  <a:txBody>
+                    <a:bodyPr/>
+                    <a:lstStyle/>
+                    <a:p>
+                      <a:pPr algn="r" fontAlgn="b"/>
+                      <a:r>
+                        <a:rPr lang="en-US" sz="1100" u="none" strike="noStrike">
+                          <a:effectLst/>
+                        </a:rPr>
+                        <a:t>0.06</a:t>
+                      </a:r>
+                      <a:endParaRPr lang="en-US" sz="1100" b="0" i="0" u="none" strike="noStrike">
+                        <a:solidFill>
+                          <a:srgbClr val="000000"/>
+                        </a:solidFill>
+                        <a:effectLst/>
+                        <a:latin typeface="Aptos Narrow" panose="020B0004020202020204" pitchFamily="34" charset="0"/>
+                      </a:endParaRPr>
+                    </a:p>
+                  </a:txBody>
+                  <a:tcPr marL="7620" marR="7620" marT="7620" marB="0" anchor="b"/>
+                </a:tc>
+                <a:tc>
+                  <a:txBody>
+                    <a:bodyPr/>
+                    <a:lstStyle/>
+                    <a:p>
+                      <a:pPr algn="r" fontAlgn="b"/>
+                      <a:r>
+                        <a:rPr lang="en-US" sz="1100" u="none" strike="noStrike">
+                          <a:effectLst/>
+                        </a:rPr>
+                        <a:t>3.00E-01</a:t>
+                      </a:r>
+                      <a:endParaRPr lang="en-US" sz="1100" b="0" i="0" u="none" strike="noStrike">
+                        <a:solidFill>
+                          <a:srgbClr val="000000"/>
+                        </a:solidFill>
+                        <a:effectLst/>
+                        <a:latin typeface="Aptos Narrow" panose="020B0004020202020204" pitchFamily="34" charset="0"/>
+                      </a:endParaRPr>
+                    </a:p>
+                  </a:txBody>
+                  <a:tcPr marL="7620" marR="7620" marT="7620" marB="0" anchor="b"/>
+                </a:tc>
+                <a:extLst>
+                  <a:ext uri="{0D108BD9-81ED-4DB2-BD59-A6C34878D82A}">
+                    <a16:rowId xmlns:a16="http://schemas.microsoft.com/office/drawing/2014/main" val="764530957"/>
+                  </a:ext>
+                </a:extLst>
+              </a:tr>
+              <a:tr h="249012">
+                <a:tc>
+                  <a:txBody>
+                    <a:bodyPr/>
+                    <a:lstStyle/>
+                    <a:p>
+                      <a:pPr algn="l" fontAlgn="b"/>
+                      <a:endParaRPr lang="en-US" sz="1100" b="0" i="0" u="none" strike="noStrike">
+                        <a:solidFill>
+                          <a:srgbClr val="000000"/>
+                        </a:solidFill>
+                        <a:effectLst/>
+                        <a:latin typeface="Aptos Narrow" panose="020B0004020202020204" pitchFamily="34" charset="0"/>
+                      </a:endParaRPr>
+                    </a:p>
+                  </a:txBody>
+                  <a:tcPr marL="7620" marR="7620" marT="7620" marB="0" anchor="b"/>
+                </a:tc>
+                <a:tc>
+                  <a:txBody>
+                    <a:bodyPr/>
+                    <a:lstStyle/>
+                    <a:p>
+                      <a:pPr algn="l" fontAlgn="b"/>
+                      <a:endParaRPr lang="en-US" sz="1100" b="0" i="0" u="none" strike="noStrike">
+                        <a:solidFill>
+                          <a:srgbClr val="000000"/>
+                        </a:solidFill>
+                        <a:effectLst/>
+                        <a:latin typeface="Aptos Narrow" panose="020B0004020202020204" pitchFamily="34" charset="0"/>
+                      </a:endParaRPr>
+                    </a:p>
+                  </a:txBody>
+                  <a:tcPr marL="7620" marR="7620" marT="7620" marB="0" anchor="b"/>
+                </a:tc>
+                <a:tc>
+                  <a:txBody>
+                    <a:bodyPr/>
+                    <a:lstStyle/>
+                    <a:p>
+                      <a:pPr algn="l" fontAlgn="b"/>
+                      <a:endParaRPr lang="en-US" sz="1100" b="0" i="0" u="none" strike="noStrike" dirty="0">
+                        <a:solidFill>
+                          <a:srgbClr val="000000"/>
+                        </a:solidFill>
+                        <a:effectLst/>
+                        <a:latin typeface="Aptos Narrow" panose="020B0004020202020204" pitchFamily="34" charset="0"/>
+                      </a:endParaRPr>
+                    </a:p>
+                  </a:txBody>
+                  <a:tcPr marL="7620" marR="7620" marT="7620" marB="0" anchor="b"/>
+                </a:tc>
+                <a:extLst>
+                  <a:ext uri="{0D108BD9-81ED-4DB2-BD59-A6C34878D82A}">
+                    <a16:rowId xmlns:a16="http://schemas.microsoft.com/office/drawing/2014/main" val="3170497393"/>
+                  </a:ext>
+                </a:extLst>
+              </a:tr>
+              <a:tr h="249012">
+                <a:tc>
+                  <a:txBody>
+                    <a:bodyPr/>
+                    <a:lstStyle/>
+                    <a:p>
+                      <a:pPr algn="l" fontAlgn="b"/>
+                      <a:endParaRPr lang="en-US" sz="1100" b="0" i="0" u="none" strike="noStrike">
+                        <a:solidFill>
+                          <a:srgbClr val="000000"/>
+                        </a:solidFill>
+                        <a:effectLst/>
+                        <a:latin typeface="Aptos Narrow" panose="020B0004020202020204" pitchFamily="34" charset="0"/>
+                      </a:endParaRPr>
+                    </a:p>
+                  </a:txBody>
+                  <a:tcPr marL="7620" marR="7620" marT="7620" marB="0" anchor="b"/>
+                </a:tc>
+                <a:tc>
+                  <a:txBody>
+                    <a:bodyPr/>
+                    <a:lstStyle/>
+                    <a:p>
+                      <a:pPr algn="l" fontAlgn="b"/>
+                      <a:endParaRPr lang="en-US" sz="1100" b="0" i="0" u="none" strike="noStrike">
+                        <a:solidFill>
+                          <a:srgbClr val="000000"/>
+                        </a:solidFill>
+                        <a:effectLst/>
+                        <a:latin typeface="Aptos Narrow" panose="020B0004020202020204" pitchFamily="34" charset="0"/>
+                      </a:endParaRPr>
+                    </a:p>
+                  </a:txBody>
+                  <a:tcPr marL="7620" marR="7620" marT="7620" marB="0" anchor="b"/>
+                </a:tc>
+                <a:tc>
+                  <a:txBody>
+                    <a:bodyPr/>
+                    <a:lstStyle/>
+                    <a:p>
+                      <a:pPr algn="l" fontAlgn="b"/>
+                      <a:endParaRPr lang="en-US" sz="1100" b="0" i="0" u="none" strike="noStrike">
+                        <a:solidFill>
+                          <a:srgbClr val="000000"/>
+                        </a:solidFill>
+                        <a:effectLst/>
+                        <a:latin typeface="Aptos Narrow" panose="020B0004020202020204" pitchFamily="34" charset="0"/>
+                      </a:endParaRPr>
+                    </a:p>
+                  </a:txBody>
+                  <a:tcPr marL="7620" marR="7620" marT="7620" marB="0" anchor="b"/>
+                </a:tc>
+                <a:extLst>
+                  <a:ext uri="{0D108BD9-81ED-4DB2-BD59-A6C34878D82A}">
+                    <a16:rowId xmlns:a16="http://schemas.microsoft.com/office/drawing/2014/main" val="45414175"/>
+                  </a:ext>
+                </a:extLst>
+              </a:tr>
+              <a:tr h="249012">
+                <a:tc>
+                  <a:txBody>
+                    <a:bodyPr/>
+                    <a:lstStyle/>
+                    <a:p>
+                      <a:pPr algn="l" fontAlgn="b"/>
+                      <a:endParaRPr lang="en-US" sz="1100" b="0" i="0" u="none" strike="noStrike">
+                        <a:solidFill>
+                          <a:srgbClr val="000000"/>
+                        </a:solidFill>
+                        <a:effectLst/>
+                        <a:latin typeface="Aptos Narrow" panose="020B0004020202020204" pitchFamily="34" charset="0"/>
+                      </a:endParaRPr>
+                    </a:p>
+                  </a:txBody>
+                  <a:tcPr marL="7620" marR="7620" marT="7620" marB="0" anchor="b"/>
+                </a:tc>
+                <a:tc>
+                  <a:txBody>
+                    <a:bodyPr/>
+                    <a:lstStyle/>
+                    <a:p>
+                      <a:pPr algn="l" fontAlgn="b"/>
+                      <a:endParaRPr lang="en-US" sz="1100" b="0" i="0" u="none" strike="noStrike">
+                        <a:solidFill>
+                          <a:srgbClr val="000000"/>
+                        </a:solidFill>
+                        <a:effectLst/>
+                        <a:latin typeface="Aptos Narrow" panose="020B0004020202020204" pitchFamily="34" charset="0"/>
+                      </a:endParaRPr>
+                    </a:p>
+                  </a:txBody>
+                  <a:tcPr marL="7620" marR="7620" marT="7620" marB="0" anchor="b"/>
+                </a:tc>
+                <a:tc>
+                  <a:txBody>
+                    <a:bodyPr/>
+                    <a:lstStyle/>
+                    <a:p>
+                      <a:pPr algn="r" fontAlgn="b"/>
+                      <a:r>
+                        <a:rPr lang="en-US" sz="1100" u="none" strike="noStrike" dirty="0">
+                          <a:effectLst/>
+                        </a:rPr>
+                        <a:t>0.4608</a:t>
+                      </a:r>
+                      <a:endParaRPr lang="en-US" sz="1100" b="0" i="0" u="none" strike="noStrike" dirty="0">
+                        <a:solidFill>
+                          <a:srgbClr val="000000"/>
+                        </a:solidFill>
+                        <a:effectLst/>
+                        <a:latin typeface="Aptos Narrow" panose="020B0004020202020204" pitchFamily="34" charset="0"/>
+                      </a:endParaRPr>
+                    </a:p>
+                  </a:txBody>
+                  <a:tcPr marL="7620" marR="7620" marT="7620" marB="0" anchor="b"/>
+                </a:tc>
+                <a:extLst>
+                  <a:ext uri="{0D108BD9-81ED-4DB2-BD59-A6C34878D82A}">
+                    <a16:rowId xmlns:a16="http://schemas.microsoft.com/office/drawing/2014/main" val="382378947"/>
+                  </a:ext>
+                </a:extLst>
+              </a:tr>
+            </a:tbl>
+          </a:graphicData>
+        </a:graphic>
+      </p:graphicFrame>
+      <p:graphicFrame>
+        <p:nvGraphicFramePr>
+          <p:cNvPr id="8" name="Content Placeholder 7">
+            <a:extLst>
+              <a:ext uri="{FF2B5EF4-FFF2-40B4-BE49-F238E27FC236}">
+                <a16:creationId xmlns:a16="http://schemas.microsoft.com/office/drawing/2014/main" id="{1DBD87A8-195B-B09A-869D-F2F99F19631A}"/>
+              </a:ext>
+            </a:extLst>
+          </p:cNvPr>
+          <p:cNvGraphicFramePr>
+            <a:graphicFrameLocks noGrp="1"/>
+          </p:cNvGraphicFramePr>
           <p:nvPr>
             <p:ph idx="1"/>
+            <p:extLst>
+              <p:ext uri="{D42A27DB-BD31-4B8C-83A1-F6EECF244321}">
+                <p14:modId xmlns:p14="http://schemas.microsoft.com/office/powerpoint/2010/main" val="359445625"/>
+              </p:ext>
+            </p:extLst>
           </p:nvPr>
+        </p:nvGraphicFramePr>
+        <p:xfrm>
+          <a:off x="7609840" y="2519680"/>
+          <a:ext cx="3505200" cy="3423915"/>
+        </p:xfrm>
+        <a:graphic>
+          <a:graphicData uri="http://schemas.openxmlformats.org/drawingml/2006/table">
+            <a:tbl>
+              <a:tblPr>
+                <a:tableStyleId>{5C22544A-7EE6-4342-B048-85BDC9FD1C3A}</a:tableStyleId>
+              </a:tblPr>
+              <a:tblGrid>
+                <a:gridCol w="1168400">
+                  <a:extLst>
+                    <a:ext uri="{9D8B030D-6E8A-4147-A177-3AD203B41FA5}">
+                      <a16:colId xmlns:a16="http://schemas.microsoft.com/office/drawing/2014/main" val="1902577717"/>
+                    </a:ext>
+                  </a:extLst>
+                </a:gridCol>
+                <a:gridCol w="1168400">
+                  <a:extLst>
+                    <a:ext uri="{9D8B030D-6E8A-4147-A177-3AD203B41FA5}">
+                      <a16:colId xmlns:a16="http://schemas.microsoft.com/office/drawing/2014/main" val="1159368300"/>
+                    </a:ext>
+                  </a:extLst>
+                </a:gridCol>
+                <a:gridCol w="1168400">
+                  <a:extLst>
+                    <a:ext uri="{9D8B030D-6E8A-4147-A177-3AD203B41FA5}">
+                      <a16:colId xmlns:a16="http://schemas.microsoft.com/office/drawing/2014/main" val="4061129050"/>
+                    </a:ext>
+                  </a:extLst>
+                </a:gridCol>
+              </a:tblGrid>
+              <a:tr h="311265">
+                <a:tc>
+                  <a:txBody>
+                    <a:bodyPr/>
+                    <a:lstStyle/>
+                    <a:p>
+                      <a:pPr algn="l" fontAlgn="b"/>
+                      <a:r>
+                        <a:rPr lang="en-US" sz="1100" u="none" strike="noStrike">
+                          <a:effectLst/>
+                        </a:rPr>
+                        <a:t>V</a:t>
+                      </a:r>
+                      <a:endParaRPr lang="en-US" sz="1100" b="0" i="0" u="none" strike="noStrike">
+                        <a:solidFill>
+                          <a:srgbClr val="000000"/>
+                        </a:solidFill>
+                        <a:effectLst/>
+                        <a:latin typeface="Aptos Narrow" panose="020B0004020202020204" pitchFamily="34" charset="0"/>
+                      </a:endParaRPr>
+                    </a:p>
+                  </a:txBody>
+                  <a:tcPr marL="7620" marR="7620" marT="7620" marB="0" anchor="b"/>
+                </a:tc>
+                <a:tc>
+                  <a:txBody>
+                    <a:bodyPr/>
+                    <a:lstStyle/>
+                    <a:p>
+                      <a:pPr algn="l" fontAlgn="b"/>
+                      <a:r>
+                        <a:rPr lang="en-US" sz="1100" u="none" strike="noStrike">
+                          <a:effectLst/>
+                        </a:rPr>
+                        <a:t>I</a:t>
+                      </a:r>
+                      <a:endParaRPr lang="en-US" sz="1100" b="0" i="0" u="none" strike="noStrike">
+                        <a:solidFill>
+                          <a:srgbClr val="000000"/>
+                        </a:solidFill>
+                        <a:effectLst/>
+                        <a:latin typeface="Aptos Narrow" panose="020B0004020202020204" pitchFamily="34" charset="0"/>
+                      </a:endParaRPr>
+                    </a:p>
+                  </a:txBody>
+                  <a:tcPr marL="7620" marR="7620" marT="7620" marB="0" anchor="b"/>
+                </a:tc>
+                <a:tc>
+                  <a:txBody>
+                    <a:bodyPr/>
+                    <a:lstStyle/>
+                    <a:p>
+                      <a:pPr algn="l" fontAlgn="b"/>
+                      <a:r>
+                        <a:rPr lang="en-US" sz="1100" u="none" strike="noStrike">
+                          <a:effectLst/>
+                        </a:rPr>
+                        <a:t>P</a:t>
+                      </a:r>
+                      <a:endParaRPr lang="en-US" sz="1100" b="0" i="0" u="none" strike="noStrike">
+                        <a:solidFill>
+                          <a:srgbClr val="000000"/>
+                        </a:solidFill>
+                        <a:effectLst/>
+                        <a:latin typeface="Aptos Narrow" panose="020B0004020202020204" pitchFamily="34" charset="0"/>
+                      </a:endParaRPr>
+                    </a:p>
+                  </a:txBody>
+                  <a:tcPr marL="7620" marR="7620" marT="7620" marB="0" anchor="b"/>
+                </a:tc>
+                <a:extLst>
+                  <a:ext uri="{0D108BD9-81ED-4DB2-BD59-A6C34878D82A}">
+                    <a16:rowId xmlns:a16="http://schemas.microsoft.com/office/drawing/2014/main" val="4099210865"/>
+                  </a:ext>
+                </a:extLst>
+              </a:tr>
+              <a:tr h="311265">
+                <a:tc>
+                  <a:txBody>
+                    <a:bodyPr/>
+                    <a:lstStyle/>
+                    <a:p>
+                      <a:pPr algn="r" fontAlgn="b"/>
+                      <a:r>
+                        <a:rPr lang="en-US" sz="1100" u="none" strike="noStrike">
+                          <a:effectLst/>
+                        </a:rPr>
+                        <a:t>3.3</a:t>
+                      </a:r>
+                      <a:endParaRPr lang="en-US" sz="1100" b="0" i="0" u="none" strike="noStrike">
+                        <a:solidFill>
+                          <a:srgbClr val="000000"/>
+                        </a:solidFill>
+                        <a:effectLst/>
+                        <a:latin typeface="Aptos Narrow" panose="020B0004020202020204" pitchFamily="34" charset="0"/>
+                      </a:endParaRPr>
+                    </a:p>
+                  </a:txBody>
+                  <a:tcPr marL="7620" marR="7620" marT="7620" marB="0" anchor="b"/>
+                </a:tc>
+                <a:tc>
+                  <a:txBody>
+                    <a:bodyPr/>
+                    <a:lstStyle/>
+                    <a:p>
+                      <a:pPr algn="r" fontAlgn="b"/>
+                      <a:r>
+                        <a:rPr lang="en-US" sz="1100" u="none" strike="noStrike">
+                          <a:effectLst/>
+                        </a:rPr>
+                        <a:t>0.0036</a:t>
+                      </a:r>
+                      <a:endParaRPr lang="en-US" sz="1100" b="0" i="0" u="none" strike="noStrike">
+                        <a:solidFill>
+                          <a:srgbClr val="000000"/>
+                        </a:solidFill>
+                        <a:effectLst/>
+                        <a:latin typeface="Aptos Narrow" panose="020B0004020202020204" pitchFamily="34" charset="0"/>
+                      </a:endParaRPr>
+                    </a:p>
+                  </a:txBody>
+                  <a:tcPr marL="7620" marR="7620" marT="7620" marB="0" anchor="b"/>
+                </a:tc>
+                <a:tc>
+                  <a:txBody>
+                    <a:bodyPr/>
+                    <a:lstStyle/>
+                    <a:p>
+                      <a:pPr algn="r" fontAlgn="b"/>
+                      <a:r>
+                        <a:rPr lang="en-US" sz="1100" u="none" strike="noStrike">
+                          <a:effectLst/>
+                        </a:rPr>
+                        <a:t>0.01188</a:t>
+                      </a:r>
+                      <a:endParaRPr lang="en-US" sz="1100" b="0" i="0" u="none" strike="noStrike">
+                        <a:solidFill>
+                          <a:srgbClr val="000000"/>
+                        </a:solidFill>
+                        <a:effectLst/>
+                        <a:latin typeface="Aptos Narrow" panose="020B0004020202020204" pitchFamily="34" charset="0"/>
+                      </a:endParaRPr>
+                    </a:p>
+                  </a:txBody>
+                  <a:tcPr marL="7620" marR="7620" marT="7620" marB="0" anchor="b"/>
+                </a:tc>
+                <a:extLst>
+                  <a:ext uri="{0D108BD9-81ED-4DB2-BD59-A6C34878D82A}">
+                    <a16:rowId xmlns:a16="http://schemas.microsoft.com/office/drawing/2014/main" val="1896853548"/>
+                  </a:ext>
+                </a:extLst>
+              </a:tr>
+              <a:tr h="311265">
+                <a:tc>
+                  <a:txBody>
+                    <a:bodyPr/>
+                    <a:lstStyle/>
+                    <a:p>
+                      <a:pPr algn="r" fontAlgn="b"/>
+                      <a:r>
+                        <a:rPr lang="en-US" sz="1100" u="none" strike="noStrike">
+                          <a:effectLst/>
+                        </a:rPr>
+                        <a:t>5</a:t>
+                      </a:r>
+                      <a:endParaRPr lang="en-US" sz="1100" b="0" i="0" u="none" strike="noStrike">
+                        <a:solidFill>
+                          <a:srgbClr val="000000"/>
+                        </a:solidFill>
+                        <a:effectLst/>
+                        <a:latin typeface="Aptos Narrow" panose="020B0004020202020204" pitchFamily="34" charset="0"/>
+                      </a:endParaRPr>
+                    </a:p>
+                  </a:txBody>
+                  <a:tcPr marL="7620" marR="7620" marT="7620" marB="0" anchor="b"/>
+                </a:tc>
+                <a:tc>
+                  <a:txBody>
+                    <a:bodyPr/>
+                    <a:lstStyle/>
+                    <a:p>
+                      <a:pPr algn="r" fontAlgn="b"/>
+                      <a:r>
+                        <a:rPr lang="en-US" sz="1100" u="none" strike="noStrike">
+                          <a:effectLst/>
+                        </a:rPr>
+                        <a:t>5.00E-05</a:t>
+                      </a:r>
+                      <a:endParaRPr lang="en-US" sz="1100" b="0" i="0" u="none" strike="noStrike">
+                        <a:solidFill>
+                          <a:srgbClr val="000000"/>
+                        </a:solidFill>
+                        <a:effectLst/>
+                        <a:latin typeface="Aptos Narrow" panose="020B0004020202020204" pitchFamily="34" charset="0"/>
+                      </a:endParaRPr>
+                    </a:p>
+                  </a:txBody>
+                  <a:tcPr marL="7620" marR="7620" marT="7620" marB="0" anchor="b"/>
+                </a:tc>
+                <a:tc>
+                  <a:txBody>
+                    <a:bodyPr/>
+                    <a:lstStyle/>
+                    <a:p>
+                      <a:pPr algn="r" fontAlgn="b"/>
+                      <a:r>
+                        <a:rPr lang="en-US" sz="1100" u="none" strike="noStrike">
+                          <a:effectLst/>
+                        </a:rPr>
+                        <a:t>0.00025</a:t>
+                      </a:r>
+                      <a:endParaRPr lang="en-US" sz="1100" b="0" i="0" u="none" strike="noStrike">
+                        <a:solidFill>
+                          <a:srgbClr val="000000"/>
+                        </a:solidFill>
+                        <a:effectLst/>
+                        <a:latin typeface="Aptos Narrow" panose="020B0004020202020204" pitchFamily="34" charset="0"/>
+                      </a:endParaRPr>
+                    </a:p>
+                  </a:txBody>
+                  <a:tcPr marL="7620" marR="7620" marT="7620" marB="0" anchor="b"/>
+                </a:tc>
+                <a:extLst>
+                  <a:ext uri="{0D108BD9-81ED-4DB2-BD59-A6C34878D82A}">
+                    <a16:rowId xmlns:a16="http://schemas.microsoft.com/office/drawing/2014/main" val="1640462234"/>
+                  </a:ext>
+                </a:extLst>
+              </a:tr>
+              <a:tr h="311265">
+                <a:tc>
+                  <a:txBody>
+                    <a:bodyPr/>
+                    <a:lstStyle/>
+                    <a:p>
+                      <a:pPr algn="r" fontAlgn="b"/>
+                      <a:r>
+                        <a:rPr lang="en-US" sz="1100" u="none" strike="noStrike">
+                          <a:effectLst/>
+                        </a:rPr>
+                        <a:t>3.3</a:t>
+                      </a:r>
+                      <a:endParaRPr lang="en-US" sz="1100" b="0" i="0" u="none" strike="noStrike">
+                        <a:solidFill>
+                          <a:srgbClr val="000000"/>
+                        </a:solidFill>
+                        <a:effectLst/>
+                        <a:latin typeface="Aptos Narrow" panose="020B0004020202020204" pitchFamily="34" charset="0"/>
+                      </a:endParaRPr>
+                    </a:p>
+                  </a:txBody>
+                  <a:tcPr marL="7620" marR="7620" marT="7620" marB="0" anchor="b"/>
+                </a:tc>
+                <a:tc>
+                  <a:txBody>
+                    <a:bodyPr/>
+                    <a:lstStyle/>
+                    <a:p>
+                      <a:pPr algn="r" fontAlgn="b"/>
+                      <a:r>
+                        <a:rPr lang="en-US" sz="1100" u="none" strike="noStrike">
+                          <a:effectLst/>
+                        </a:rPr>
+                        <a:t>0.0035</a:t>
+                      </a:r>
+                      <a:endParaRPr lang="en-US" sz="1100" b="0" i="0" u="none" strike="noStrike">
+                        <a:solidFill>
+                          <a:srgbClr val="000000"/>
+                        </a:solidFill>
+                        <a:effectLst/>
+                        <a:latin typeface="Aptos Narrow" panose="020B0004020202020204" pitchFamily="34" charset="0"/>
+                      </a:endParaRPr>
+                    </a:p>
+                  </a:txBody>
+                  <a:tcPr marL="7620" marR="7620" marT="7620" marB="0" anchor="b"/>
+                </a:tc>
+                <a:tc>
+                  <a:txBody>
+                    <a:bodyPr/>
+                    <a:lstStyle/>
+                    <a:p>
+                      <a:pPr algn="r" fontAlgn="b"/>
+                      <a:r>
+                        <a:rPr lang="en-US" sz="1100" u="none" strike="noStrike">
+                          <a:effectLst/>
+                        </a:rPr>
+                        <a:t>0.01155</a:t>
+                      </a:r>
+                      <a:endParaRPr lang="en-US" sz="1100" b="0" i="0" u="none" strike="noStrike">
+                        <a:solidFill>
+                          <a:srgbClr val="000000"/>
+                        </a:solidFill>
+                        <a:effectLst/>
+                        <a:latin typeface="Aptos Narrow" panose="020B0004020202020204" pitchFamily="34" charset="0"/>
+                      </a:endParaRPr>
+                    </a:p>
+                  </a:txBody>
+                  <a:tcPr marL="7620" marR="7620" marT="7620" marB="0" anchor="b"/>
+                </a:tc>
+                <a:extLst>
+                  <a:ext uri="{0D108BD9-81ED-4DB2-BD59-A6C34878D82A}">
+                    <a16:rowId xmlns:a16="http://schemas.microsoft.com/office/drawing/2014/main" val="265669641"/>
+                  </a:ext>
+                </a:extLst>
+              </a:tr>
+              <a:tr h="311265">
+                <a:tc>
+                  <a:txBody>
+                    <a:bodyPr/>
+                    <a:lstStyle/>
+                    <a:p>
+                      <a:pPr algn="r" fontAlgn="b"/>
+                      <a:r>
+                        <a:rPr lang="en-US" sz="1100" u="none" strike="noStrike">
+                          <a:effectLst/>
+                        </a:rPr>
+                        <a:t>3.3</a:t>
+                      </a:r>
+                      <a:endParaRPr lang="en-US" sz="1100" b="0" i="0" u="none" strike="noStrike">
+                        <a:solidFill>
+                          <a:srgbClr val="000000"/>
+                        </a:solidFill>
+                        <a:effectLst/>
+                        <a:latin typeface="Aptos Narrow" panose="020B0004020202020204" pitchFamily="34" charset="0"/>
+                      </a:endParaRPr>
+                    </a:p>
+                  </a:txBody>
+                  <a:tcPr marL="7620" marR="7620" marT="7620" marB="0" anchor="b"/>
+                </a:tc>
+                <a:tc>
+                  <a:txBody>
+                    <a:bodyPr/>
+                    <a:lstStyle/>
+                    <a:p>
+                      <a:pPr algn="r" fontAlgn="b"/>
+                      <a:r>
+                        <a:rPr lang="en-US" sz="1100" u="none" strike="noStrike">
+                          <a:effectLst/>
+                        </a:rPr>
+                        <a:t>0.02</a:t>
+                      </a:r>
+                      <a:endParaRPr lang="en-US" sz="1100" b="0" i="0" u="none" strike="noStrike">
+                        <a:solidFill>
+                          <a:srgbClr val="000000"/>
+                        </a:solidFill>
+                        <a:effectLst/>
+                        <a:latin typeface="Aptos Narrow" panose="020B0004020202020204" pitchFamily="34" charset="0"/>
+                      </a:endParaRPr>
+                    </a:p>
+                  </a:txBody>
+                  <a:tcPr marL="7620" marR="7620" marT="7620" marB="0" anchor="b"/>
+                </a:tc>
+                <a:tc>
+                  <a:txBody>
+                    <a:bodyPr/>
+                    <a:lstStyle/>
+                    <a:p>
+                      <a:pPr algn="r" fontAlgn="b"/>
+                      <a:r>
+                        <a:rPr lang="en-US" sz="1100" u="none" strike="noStrike">
+                          <a:effectLst/>
+                        </a:rPr>
+                        <a:t>0.066</a:t>
+                      </a:r>
+                      <a:endParaRPr lang="en-US" sz="1100" b="0" i="0" u="none" strike="noStrike">
+                        <a:solidFill>
+                          <a:srgbClr val="000000"/>
+                        </a:solidFill>
+                        <a:effectLst/>
+                        <a:latin typeface="Aptos Narrow" panose="020B0004020202020204" pitchFamily="34" charset="0"/>
+                      </a:endParaRPr>
+                    </a:p>
+                  </a:txBody>
+                  <a:tcPr marL="7620" marR="7620" marT="7620" marB="0" anchor="b"/>
+                </a:tc>
+                <a:extLst>
+                  <a:ext uri="{0D108BD9-81ED-4DB2-BD59-A6C34878D82A}">
+                    <a16:rowId xmlns:a16="http://schemas.microsoft.com/office/drawing/2014/main" val="3440806547"/>
+                  </a:ext>
+                </a:extLst>
+              </a:tr>
+              <a:tr h="311265">
+                <a:tc>
+                  <a:txBody>
+                    <a:bodyPr/>
+                    <a:lstStyle/>
+                    <a:p>
+                      <a:pPr algn="l" fontAlgn="b"/>
+                      <a:endParaRPr lang="en-US" sz="1100" b="0" i="0" u="none" strike="noStrike">
+                        <a:solidFill>
+                          <a:srgbClr val="000000"/>
+                        </a:solidFill>
+                        <a:effectLst/>
+                        <a:latin typeface="Aptos Narrow" panose="020B0004020202020204" pitchFamily="34" charset="0"/>
+                      </a:endParaRPr>
+                    </a:p>
+                  </a:txBody>
+                  <a:tcPr marL="7620" marR="7620" marT="7620" marB="0" anchor="b"/>
+                </a:tc>
+                <a:tc>
+                  <a:txBody>
+                    <a:bodyPr/>
+                    <a:lstStyle/>
+                    <a:p>
+                      <a:pPr algn="l" fontAlgn="b"/>
+                      <a:endParaRPr lang="en-US" sz="1100" b="0" i="0" u="none" strike="noStrike">
+                        <a:solidFill>
+                          <a:srgbClr val="000000"/>
+                        </a:solidFill>
+                        <a:effectLst/>
+                        <a:latin typeface="Aptos Narrow" panose="020B0004020202020204" pitchFamily="34" charset="0"/>
+                      </a:endParaRPr>
+                    </a:p>
+                  </a:txBody>
+                  <a:tcPr marL="7620" marR="7620" marT="7620" marB="0" anchor="b"/>
+                </a:tc>
+                <a:tc>
+                  <a:txBody>
+                    <a:bodyPr/>
+                    <a:lstStyle/>
+                    <a:p>
+                      <a:pPr algn="r" fontAlgn="b"/>
+                      <a:r>
+                        <a:rPr lang="en-US" sz="1100" u="none" strike="noStrike">
+                          <a:effectLst/>
+                        </a:rPr>
+                        <a:t>0</a:t>
+                      </a:r>
+                      <a:endParaRPr lang="en-US" sz="1100" b="0" i="0" u="none" strike="noStrike">
+                        <a:solidFill>
+                          <a:srgbClr val="000000"/>
+                        </a:solidFill>
+                        <a:effectLst/>
+                        <a:latin typeface="Aptos Narrow" panose="020B0004020202020204" pitchFamily="34" charset="0"/>
+                      </a:endParaRPr>
+                    </a:p>
+                  </a:txBody>
+                  <a:tcPr marL="7620" marR="7620" marT="7620" marB="0" anchor="b"/>
+                </a:tc>
+                <a:extLst>
+                  <a:ext uri="{0D108BD9-81ED-4DB2-BD59-A6C34878D82A}">
+                    <a16:rowId xmlns:a16="http://schemas.microsoft.com/office/drawing/2014/main" val="1853150488"/>
+                  </a:ext>
+                </a:extLst>
+              </a:tr>
+              <a:tr h="311265">
+                <a:tc>
+                  <a:txBody>
+                    <a:bodyPr/>
+                    <a:lstStyle/>
+                    <a:p>
+                      <a:pPr algn="r" fontAlgn="b"/>
+                      <a:r>
+                        <a:rPr lang="en-US" sz="1100" u="none" strike="noStrike">
+                          <a:effectLst/>
+                        </a:rPr>
+                        <a:t>5</a:t>
+                      </a:r>
+                      <a:endParaRPr lang="en-US" sz="1100" b="0" i="0" u="none" strike="noStrike">
+                        <a:solidFill>
+                          <a:srgbClr val="000000"/>
+                        </a:solidFill>
+                        <a:effectLst/>
+                        <a:latin typeface="Aptos Narrow" panose="020B0004020202020204" pitchFamily="34" charset="0"/>
+                      </a:endParaRPr>
+                    </a:p>
+                  </a:txBody>
+                  <a:tcPr marL="7620" marR="7620" marT="7620" marB="0" anchor="b"/>
+                </a:tc>
+                <a:tc>
+                  <a:txBody>
+                    <a:bodyPr/>
+                    <a:lstStyle/>
+                    <a:p>
+                      <a:pPr algn="r" fontAlgn="b"/>
+                      <a:r>
+                        <a:rPr lang="en-US" sz="1100" u="none" strike="noStrike">
+                          <a:effectLst/>
+                        </a:rPr>
+                        <a:t>0.05</a:t>
+                      </a:r>
+                      <a:endParaRPr lang="en-US" sz="1100" b="0" i="0" u="none" strike="noStrike">
+                        <a:solidFill>
+                          <a:srgbClr val="000000"/>
+                        </a:solidFill>
+                        <a:effectLst/>
+                        <a:latin typeface="Aptos Narrow" panose="020B0004020202020204" pitchFamily="34" charset="0"/>
+                      </a:endParaRPr>
+                    </a:p>
+                  </a:txBody>
+                  <a:tcPr marL="7620" marR="7620" marT="7620" marB="0" anchor="b"/>
+                </a:tc>
+                <a:tc>
+                  <a:txBody>
+                    <a:bodyPr/>
+                    <a:lstStyle/>
+                    <a:p>
+                      <a:pPr algn="r" fontAlgn="b"/>
+                      <a:r>
+                        <a:rPr lang="en-US" sz="1100" u="none" strike="noStrike">
+                          <a:effectLst/>
+                        </a:rPr>
+                        <a:t>0.25</a:t>
+                      </a:r>
+                      <a:endParaRPr lang="en-US" sz="1100" b="0" i="0" u="none" strike="noStrike">
+                        <a:solidFill>
+                          <a:srgbClr val="000000"/>
+                        </a:solidFill>
+                        <a:effectLst/>
+                        <a:latin typeface="Aptos Narrow" panose="020B0004020202020204" pitchFamily="34" charset="0"/>
+                      </a:endParaRPr>
+                    </a:p>
+                  </a:txBody>
+                  <a:tcPr marL="7620" marR="7620" marT="7620" marB="0" anchor="b"/>
+                </a:tc>
+                <a:extLst>
+                  <a:ext uri="{0D108BD9-81ED-4DB2-BD59-A6C34878D82A}">
+                    <a16:rowId xmlns:a16="http://schemas.microsoft.com/office/drawing/2014/main" val="1576135677"/>
+                  </a:ext>
+                </a:extLst>
+              </a:tr>
+              <a:tr h="311265">
+                <a:tc>
+                  <a:txBody>
+                    <a:bodyPr/>
+                    <a:lstStyle/>
+                    <a:p>
+                      <a:pPr algn="r" fontAlgn="b"/>
+                      <a:r>
+                        <a:rPr lang="en-US" sz="1100" u="none" strike="noStrike">
+                          <a:effectLst/>
+                        </a:rPr>
+                        <a:t>5</a:t>
+                      </a:r>
+                      <a:endParaRPr lang="en-US" sz="1100" b="0" i="0" u="none" strike="noStrike">
+                        <a:solidFill>
+                          <a:srgbClr val="000000"/>
+                        </a:solidFill>
+                        <a:effectLst/>
+                        <a:latin typeface="Aptos Narrow" panose="020B0004020202020204" pitchFamily="34" charset="0"/>
+                      </a:endParaRPr>
+                    </a:p>
+                  </a:txBody>
+                  <a:tcPr marL="7620" marR="7620" marT="7620" marB="0" anchor="b"/>
+                </a:tc>
+                <a:tc>
+                  <a:txBody>
+                    <a:bodyPr/>
+                    <a:lstStyle/>
+                    <a:p>
+                      <a:pPr algn="r" fontAlgn="b"/>
+                      <a:r>
+                        <a:rPr lang="en-US" sz="1100" u="none" strike="noStrike">
+                          <a:effectLst/>
+                        </a:rPr>
+                        <a:t>0.02</a:t>
+                      </a:r>
+                      <a:endParaRPr lang="en-US" sz="1100" b="0" i="0" u="none" strike="noStrike">
+                        <a:solidFill>
+                          <a:srgbClr val="000000"/>
+                        </a:solidFill>
+                        <a:effectLst/>
+                        <a:latin typeface="Aptos Narrow" panose="020B0004020202020204" pitchFamily="34" charset="0"/>
+                      </a:endParaRPr>
+                    </a:p>
+                  </a:txBody>
+                  <a:tcPr marL="7620" marR="7620" marT="7620" marB="0" anchor="b"/>
+                </a:tc>
+                <a:tc>
+                  <a:txBody>
+                    <a:bodyPr/>
+                    <a:lstStyle/>
+                    <a:p>
+                      <a:pPr algn="r" fontAlgn="b"/>
+                      <a:r>
+                        <a:rPr lang="en-US" sz="1100" u="none" strike="noStrike">
+                          <a:effectLst/>
+                        </a:rPr>
+                        <a:t>0.1</a:t>
+                      </a:r>
+                      <a:endParaRPr lang="en-US" sz="1100" b="0" i="0" u="none" strike="noStrike">
+                        <a:solidFill>
+                          <a:srgbClr val="000000"/>
+                        </a:solidFill>
+                        <a:effectLst/>
+                        <a:latin typeface="Aptos Narrow" panose="020B0004020202020204" pitchFamily="34" charset="0"/>
+                      </a:endParaRPr>
+                    </a:p>
+                  </a:txBody>
+                  <a:tcPr marL="7620" marR="7620" marT="7620" marB="0" anchor="b"/>
+                </a:tc>
+                <a:extLst>
+                  <a:ext uri="{0D108BD9-81ED-4DB2-BD59-A6C34878D82A}">
+                    <a16:rowId xmlns:a16="http://schemas.microsoft.com/office/drawing/2014/main" val="650896148"/>
+                  </a:ext>
+                </a:extLst>
+              </a:tr>
+              <a:tr h="311265">
+                <a:tc>
+                  <a:txBody>
+                    <a:bodyPr/>
+                    <a:lstStyle/>
+                    <a:p>
+                      <a:pPr algn="l" fontAlgn="b"/>
+                      <a:endParaRPr lang="en-US" sz="1100" b="0" i="0" u="none" strike="noStrike">
+                        <a:solidFill>
+                          <a:srgbClr val="000000"/>
+                        </a:solidFill>
+                        <a:effectLst/>
+                        <a:latin typeface="Aptos Narrow" panose="020B0004020202020204" pitchFamily="34" charset="0"/>
+                      </a:endParaRPr>
+                    </a:p>
+                  </a:txBody>
+                  <a:tcPr marL="7620" marR="7620" marT="7620" marB="0" anchor="b"/>
+                </a:tc>
+                <a:tc>
+                  <a:txBody>
+                    <a:bodyPr/>
+                    <a:lstStyle/>
+                    <a:p>
+                      <a:pPr algn="l" fontAlgn="b"/>
+                      <a:endParaRPr lang="en-US" sz="1100" b="0" i="0" u="none" strike="noStrike">
+                        <a:solidFill>
+                          <a:srgbClr val="000000"/>
+                        </a:solidFill>
+                        <a:effectLst/>
+                        <a:latin typeface="Aptos Narrow" panose="020B0004020202020204" pitchFamily="34" charset="0"/>
+                      </a:endParaRPr>
+                    </a:p>
+                  </a:txBody>
+                  <a:tcPr marL="7620" marR="7620" marT="7620" marB="0" anchor="b"/>
+                </a:tc>
+                <a:tc>
+                  <a:txBody>
+                    <a:bodyPr/>
+                    <a:lstStyle/>
+                    <a:p>
+                      <a:pPr algn="r" fontAlgn="b"/>
+                      <a:r>
+                        <a:rPr lang="en-US" sz="1100" u="none" strike="noStrike">
+                          <a:effectLst/>
+                        </a:rPr>
+                        <a:t>0</a:t>
+                      </a:r>
+                      <a:endParaRPr lang="en-US" sz="1100" b="0" i="0" u="none" strike="noStrike">
+                        <a:solidFill>
+                          <a:srgbClr val="000000"/>
+                        </a:solidFill>
+                        <a:effectLst/>
+                        <a:latin typeface="Aptos Narrow" panose="020B0004020202020204" pitchFamily="34" charset="0"/>
+                      </a:endParaRPr>
+                    </a:p>
+                  </a:txBody>
+                  <a:tcPr marL="7620" marR="7620" marT="7620" marB="0" anchor="b"/>
+                </a:tc>
+                <a:extLst>
+                  <a:ext uri="{0D108BD9-81ED-4DB2-BD59-A6C34878D82A}">
+                    <a16:rowId xmlns:a16="http://schemas.microsoft.com/office/drawing/2014/main" val="2671136491"/>
+                  </a:ext>
+                </a:extLst>
+              </a:tr>
+              <a:tr h="311265">
+                <a:tc>
+                  <a:txBody>
+                    <a:bodyPr/>
+                    <a:lstStyle/>
+                    <a:p>
+                      <a:pPr algn="l" fontAlgn="b"/>
+                      <a:endParaRPr lang="en-US" sz="1100" b="0" i="0" u="none" strike="noStrike">
+                        <a:solidFill>
+                          <a:srgbClr val="000000"/>
+                        </a:solidFill>
+                        <a:effectLst/>
+                        <a:latin typeface="Aptos Narrow" panose="020B0004020202020204" pitchFamily="34" charset="0"/>
+                      </a:endParaRPr>
+                    </a:p>
+                  </a:txBody>
+                  <a:tcPr marL="7620" marR="7620" marT="7620" marB="0" anchor="b"/>
+                </a:tc>
+                <a:tc>
+                  <a:txBody>
+                    <a:bodyPr/>
+                    <a:lstStyle/>
+                    <a:p>
+                      <a:pPr algn="l" fontAlgn="b"/>
+                      <a:endParaRPr lang="en-US" sz="1100" b="0" i="0" u="none" strike="noStrike">
+                        <a:solidFill>
+                          <a:srgbClr val="000000"/>
+                        </a:solidFill>
+                        <a:effectLst/>
+                        <a:latin typeface="Aptos Narrow" panose="020B0004020202020204" pitchFamily="34" charset="0"/>
+                      </a:endParaRPr>
+                    </a:p>
+                  </a:txBody>
+                  <a:tcPr marL="7620" marR="7620" marT="7620" marB="0" anchor="b"/>
+                </a:tc>
+                <a:tc>
+                  <a:txBody>
+                    <a:bodyPr/>
+                    <a:lstStyle/>
+                    <a:p>
+                      <a:pPr algn="l" fontAlgn="b"/>
+                      <a:endParaRPr lang="en-US" sz="1100" b="0" i="0" u="none" strike="noStrike">
+                        <a:solidFill>
+                          <a:srgbClr val="000000"/>
+                        </a:solidFill>
+                        <a:effectLst/>
+                        <a:latin typeface="Aptos Narrow" panose="020B0004020202020204" pitchFamily="34" charset="0"/>
+                      </a:endParaRPr>
+                    </a:p>
+                  </a:txBody>
+                  <a:tcPr marL="7620" marR="7620" marT="7620" marB="0" anchor="b"/>
+                </a:tc>
+                <a:extLst>
+                  <a:ext uri="{0D108BD9-81ED-4DB2-BD59-A6C34878D82A}">
+                    <a16:rowId xmlns:a16="http://schemas.microsoft.com/office/drawing/2014/main" val="1755437646"/>
+                  </a:ext>
+                </a:extLst>
+              </a:tr>
+              <a:tr h="311265">
+                <a:tc>
+                  <a:txBody>
+                    <a:bodyPr/>
+                    <a:lstStyle/>
+                    <a:p>
+                      <a:pPr algn="l" fontAlgn="b"/>
+                      <a:endParaRPr lang="en-US" sz="1100" b="0" i="0" u="none" strike="noStrike">
+                        <a:solidFill>
+                          <a:srgbClr val="000000"/>
+                        </a:solidFill>
+                        <a:effectLst/>
+                        <a:latin typeface="Aptos Narrow" panose="020B0004020202020204" pitchFamily="34" charset="0"/>
+                      </a:endParaRPr>
+                    </a:p>
+                  </a:txBody>
+                  <a:tcPr marL="7620" marR="7620" marT="7620" marB="0" anchor="b"/>
+                </a:tc>
+                <a:tc>
+                  <a:txBody>
+                    <a:bodyPr/>
+                    <a:lstStyle/>
+                    <a:p>
+                      <a:pPr algn="l" fontAlgn="b"/>
+                      <a:endParaRPr lang="en-US" sz="1100" b="0" i="0" u="none" strike="noStrike">
+                        <a:solidFill>
+                          <a:srgbClr val="000000"/>
+                        </a:solidFill>
+                        <a:effectLst/>
+                        <a:latin typeface="Aptos Narrow" panose="020B0004020202020204" pitchFamily="34" charset="0"/>
+                      </a:endParaRPr>
+                    </a:p>
+                  </a:txBody>
+                  <a:tcPr marL="7620" marR="7620" marT="7620" marB="0" anchor="b"/>
+                </a:tc>
+                <a:tc>
+                  <a:txBody>
+                    <a:bodyPr/>
+                    <a:lstStyle/>
+                    <a:p>
+                      <a:pPr algn="r" fontAlgn="b"/>
+                      <a:r>
+                        <a:rPr lang="en-US" sz="1100" u="none" strike="noStrike" dirty="0">
+                          <a:effectLst/>
+                        </a:rPr>
+                        <a:t>0.43968</a:t>
+                      </a:r>
+                      <a:endParaRPr lang="en-US" sz="1100" b="0" i="0" u="none" strike="noStrike" dirty="0">
+                        <a:solidFill>
+                          <a:srgbClr val="000000"/>
+                        </a:solidFill>
+                        <a:effectLst/>
+                        <a:latin typeface="Aptos Narrow" panose="020B0004020202020204" pitchFamily="34" charset="0"/>
+                      </a:endParaRPr>
+                    </a:p>
+                  </a:txBody>
+                  <a:tcPr marL="7620" marR="7620" marT="7620" marB="0" anchor="b"/>
+                </a:tc>
+                <a:extLst>
+                  <a:ext uri="{0D108BD9-81ED-4DB2-BD59-A6C34878D82A}">
+                    <a16:rowId xmlns:a16="http://schemas.microsoft.com/office/drawing/2014/main" val="2013130211"/>
+                  </a:ext>
+                </a:extLst>
+              </a:tr>
+            </a:tbl>
+          </a:graphicData>
+        </a:graphic>
+      </p:graphicFrame>
+      <p:sp>
+        <p:nvSpPr>
+          <p:cNvPr id="9" name="TextBox 8">
+            <a:extLst>
+              <a:ext uri="{FF2B5EF4-FFF2-40B4-BE49-F238E27FC236}">
+                <a16:creationId xmlns:a16="http://schemas.microsoft.com/office/drawing/2014/main" id="{1E6B820B-4CBF-BCC1-6226-A4E028452EC1}"/>
+              </a:ext>
+            </a:extLst>
+          </p:cNvPr>
+          <p:cNvSpPr txBox="1"/>
+          <p:nvPr/>
         </p:nvSpPr>
-        <p:spPr/>
+        <p:spPr>
+          <a:xfrm>
+            <a:off x="1178560" y="6122908"/>
+            <a:ext cx="3627120" cy="369332"/>
+          </a:xfrm>
+          <a:prstGeom prst="rect">
+            <a:avLst/>
+          </a:prstGeom>
+          <a:noFill/>
+        </p:spPr>
         <p:txBody>
-          <a:bodyPr/>
+          <a:bodyPr wrap="square" rtlCol="0">
+            <a:spAutoFit/>
+          </a:bodyPr>
           <a:lstStyle/>
           <a:p>
-            <a:pPr marL="0" indent="0">
-              <a:buNone/>
-            </a:pPr>
             <a:r>
               <a:rPr lang="en-US" dirty="0"/>
-              <a:t>A few improvements can be made to the initial design.</a:t>
-            </a:r>
-          </a:p>
-          <a:p>
-            <a:pPr marL="0" indent="0">
-              <a:buNone/>
-            </a:pPr>
-            <a:r>
-              <a:rPr lang="en-US" dirty="0"/>
-              <a:t>The temperature, pressure and humidity sensors can be consolidated to a single module, which drastically reduces costs.</a:t>
-            </a:r>
-          </a:p>
-          <a:p>
-            <a:pPr marL="0" indent="0">
-              <a:buNone/>
-            </a:pPr>
-            <a:r>
-              <a:rPr lang="en-US" dirty="0"/>
-              <a:t>Better and cheaper components were also chosen in general without reducing the quality of the design.</a:t>
+              <a:t>P = ~460mW</a:t>
             </a:r>
           </a:p>
         </p:txBody>
@@ -5620,7 +9117,7 @@
     </p:spTree>
     <p:extLst>
       <p:ext uri="{BB962C8B-B14F-4D97-AF65-F5344CB8AC3E}">
-        <p14:creationId xmlns:p14="http://schemas.microsoft.com/office/powerpoint/2010/main" val="229615600"/>
+        <p14:creationId xmlns:p14="http://schemas.microsoft.com/office/powerpoint/2010/main" val="610923842"/>
       </p:ext>
     </p:extLst>
   </p:cSld>
@@ -5652,6 +9149,228 @@
           <p:cNvPr id="2" name="Title 1">
             <a:extLst>
               <a:ext uri="{FF2B5EF4-FFF2-40B4-BE49-F238E27FC236}">
+                <a16:creationId xmlns:a16="http://schemas.microsoft.com/office/drawing/2014/main" id="{DC42C40A-968D-A556-1FCD-8A183061B5F7}"/>
+              </a:ext>
+            </a:extLst>
+          </p:cNvPr>
+          <p:cNvSpPr>
+            <a:spLocks noGrp="1"/>
+          </p:cNvSpPr>
+          <p:nvPr>
+            <p:ph type="title"/>
+          </p:nvPr>
+        </p:nvSpPr>
+        <p:spPr/>
+        <p:txBody>
+          <a:bodyPr>
+            <a:normAutofit/>
+          </a:bodyPr>
+          <a:lstStyle/>
+          <a:p>
+            <a:r>
+              <a:rPr lang="en-US" dirty="0"/>
+              <a:t>Alternative Design</a:t>
+            </a:r>
+          </a:p>
+        </p:txBody>
+      </p:sp>
+      <p:sp>
+        <p:nvSpPr>
+          <p:cNvPr id="3" name="Content Placeholder 2">
+            <a:extLst>
+              <a:ext uri="{FF2B5EF4-FFF2-40B4-BE49-F238E27FC236}">
+                <a16:creationId xmlns:a16="http://schemas.microsoft.com/office/drawing/2014/main" id="{43A5D62B-0982-3CD7-B107-20CD1F159E8A}"/>
+              </a:ext>
+            </a:extLst>
+          </p:cNvPr>
+          <p:cNvSpPr>
+            <a:spLocks noGrp="1"/>
+          </p:cNvSpPr>
+          <p:nvPr>
+            <p:ph idx="1"/>
+          </p:nvPr>
+        </p:nvSpPr>
+        <p:spPr/>
+        <p:txBody>
+          <a:bodyPr/>
+          <a:lstStyle/>
+          <a:p>
+            <a:pPr marL="0" indent="0">
+              <a:buNone/>
+            </a:pPr>
+            <a:r>
+              <a:rPr lang="en-US" dirty="0"/>
+              <a:t>A few improvements can be made to the initial design.</a:t>
+            </a:r>
+          </a:p>
+          <a:p>
+            <a:pPr marL="0" indent="0">
+              <a:buNone/>
+            </a:pPr>
+            <a:r>
+              <a:rPr lang="en-US" dirty="0"/>
+              <a:t>The temperature, pressure and humidity sensors can be consolidated to a single module, which drastically reduces costs.</a:t>
+            </a:r>
+          </a:p>
+          <a:p>
+            <a:pPr marL="0" indent="0">
+              <a:buNone/>
+            </a:pPr>
+            <a:r>
+              <a:rPr lang="en-US" dirty="0"/>
+              <a:t>Better and cheaper components were also chosen in general without reducing the quality of the design.</a:t>
+            </a:r>
+          </a:p>
+        </p:txBody>
+      </p:sp>
+    </p:spTree>
+    <p:extLst>
+      <p:ext uri="{BB962C8B-B14F-4D97-AF65-F5344CB8AC3E}">
+        <p14:creationId xmlns:p14="http://schemas.microsoft.com/office/powerpoint/2010/main" val="229615600"/>
+      </p:ext>
+    </p:extLst>
+  </p:cSld>
+  <p:clrMapOvr>
+    <a:masterClrMapping/>
+  </p:clrMapOvr>
+</p:sld>
+</file>
+
+<file path=ppt/slides/slide7.xml><?xml version="1.0" encoding="utf-8"?>
+<p:sld xmlns:a="http://schemas.openxmlformats.org/drawingml/2006/main" xmlns:r="http://schemas.openxmlformats.org/officeDocument/2006/relationships" xmlns:p="http://schemas.openxmlformats.org/presentationml/2006/main">
+  <p:cSld>
+    <p:spTree>
+      <p:nvGrpSpPr>
+        <p:cNvPr id="1" name=""/>
+        <p:cNvGrpSpPr/>
+        <p:nvPr/>
+      </p:nvGrpSpPr>
+      <p:grpSpPr>
+        <a:xfrm>
+          <a:off x="0" y="0"/>
+          <a:ext cx="0" cy="0"/>
+          <a:chOff x="0" y="0"/>
+          <a:chExt cx="0" cy="0"/>
+        </a:xfrm>
+      </p:grpSpPr>
+      <p:sp>
+        <p:nvSpPr>
+          <p:cNvPr id="2" name="Title 1">
+            <a:extLst>
+              <a:ext uri="{FF2B5EF4-FFF2-40B4-BE49-F238E27FC236}">
+                <a16:creationId xmlns:a16="http://schemas.microsoft.com/office/drawing/2014/main" id="{576C28C4-5F73-7A55-603B-765316D7334B}"/>
+              </a:ext>
+            </a:extLst>
+          </p:cNvPr>
+          <p:cNvSpPr>
+            <a:spLocks noGrp="1"/>
+          </p:cNvSpPr>
+          <p:nvPr>
+            <p:ph type="title"/>
+          </p:nvPr>
+        </p:nvSpPr>
+        <p:spPr/>
+        <p:txBody>
+          <a:bodyPr/>
+          <a:lstStyle/>
+          <a:p>
+            <a:r>
+              <a:rPr lang="en-US" dirty="0"/>
+              <a:t>Schematic</a:t>
+            </a:r>
+          </a:p>
+        </p:txBody>
+      </p:sp>
+      <p:sp>
+        <p:nvSpPr>
+          <p:cNvPr id="3" name="Content Placeholder 2">
+            <a:extLst>
+              <a:ext uri="{FF2B5EF4-FFF2-40B4-BE49-F238E27FC236}">
+                <a16:creationId xmlns:a16="http://schemas.microsoft.com/office/drawing/2014/main" id="{10A6E57B-C8E8-F746-9D8D-38D02B3C112F}"/>
+              </a:ext>
+            </a:extLst>
+          </p:cNvPr>
+          <p:cNvSpPr>
+            <a:spLocks noGrp="1"/>
+          </p:cNvSpPr>
+          <p:nvPr>
+            <p:ph idx="1"/>
+          </p:nvPr>
+        </p:nvSpPr>
+        <p:spPr/>
+        <p:txBody>
+          <a:bodyPr/>
+          <a:lstStyle/>
+          <a:p>
+            <a:endParaRPr lang="en-US"/>
+          </a:p>
+        </p:txBody>
+      </p:sp>
+      <p:pic>
+        <p:nvPicPr>
+          <p:cNvPr id="5" name="Picture 4">
+            <a:extLst>
+              <a:ext uri="{FF2B5EF4-FFF2-40B4-BE49-F238E27FC236}">
+                <a16:creationId xmlns:a16="http://schemas.microsoft.com/office/drawing/2014/main" id="{4BE4157A-10AE-B273-C750-4EE54EE38EC4}"/>
+              </a:ext>
+            </a:extLst>
+          </p:cNvPr>
+          <p:cNvPicPr>
+            <a:picLocks noChangeAspect="1"/>
+          </p:cNvPicPr>
+          <p:nvPr/>
+        </p:nvPicPr>
+        <p:blipFill>
+          <a:blip r:embed="rId2"/>
+          <a:stretch>
+            <a:fillRect/>
+          </a:stretch>
+        </p:blipFill>
+        <p:spPr>
+          <a:xfrm>
+            <a:off x="3125796" y="436880"/>
+            <a:ext cx="8923278" cy="6299200"/>
+          </a:xfrm>
+          <a:prstGeom prst="rect">
+            <a:avLst/>
+          </a:prstGeom>
+        </p:spPr>
+      </p:pic>
+    </p:spTree>
+    <p:extLst>
+      <p:ext uri="{BB962C8B-B14F-4D97-AF65-F5344CB8AC3E}">
+        <p14:creationId xmlns:p14="http://schemas.microsoft.com/office/powerpoint/2010/main" val="3469195392"/>
+      </p:ext>
+    </p:extLst>
+  </p:cSld>
+  <p:clrMapOvr>
+    <a:masterClrMapping/>
+  </p:clrMapOvr>
+</p:sld>
+</file>
+
+<file path=ppt/slides/slide8.xml><?xml version="1.0" encoding="utf-8"?>
+<p:sld xmlns:a="http://schemas.openxmlformats.org/drawingml/2006/main" xmlns:r="http://schemas.openxmlformats.org/officeDocument/2006/relationships" xmlns:p="http://schemas.openxmlformats.org/presentationml/2006/main">
+  <p:cSld>
+    <p:spTree>
+      <p:nvGrpSpPr>
+        <p:cNvPr id="1" name=""/>
+        <p:cNvGrpSpPr/>
+        <p:nvPr/>
+      </p:nvGrpSpPr>
+      <p:grpSpPr>
+        <a:xfrm>
+          <a:off x="0" y="0"/>
+          <a:ext cx="0" cy="0"/>
+          <a:chOff x="0" y="0"/>
+          <a:chExt cx="0" cy="0"/>
+        </a:xfrm>
+      </p:grpSpPr>
+      <p:sp>
+        <p:nvSpPr>
+          <p:cNvPr id="2" name="Title 1">
+            <a:extLst>
+              <a:ext uri="{FF2B5EF4-FFF2-40B4-BE49-F238E27FC236}">
                 <a16:creationId xmlns:a16="http://schemas.microsoft.com/office/drawing/2014/main" id="{780B730C-FF13-1377-5602-35FC1BA96C33}"/>
               </a:ext>
             </a:extLst>
@@ -5787,7 +9506,7 @@
 </p:sld>
 </file>
 
-<file path=ppt/slides/slide7.xml><?xml version="1.0" encoding="utf-8"?>
+<file path=ppt/slides/slide9.xml><?xml version="1.0" encoding="utf-8"?>
 <p:sld xmlns:a="http://schemas.openxmlformats.org/drawingml/2006/main" xmlns:r="http://schemas.openxmlformats.org/officeDocument/2006/relationships" xmlns:p="http://schemas.openxmlformats.org/presentationml/2006/main">
   <p:cSld>
     <p:spTree>
